--- a/document/presentation/2022 한국정보기술학회 추계 종합학술대회_이소연.pptx
+++ b/document/presentation/2022 한국정보기술학회 추계 종합학술대회_이소연.pptx
@@ -119,7 +119,18 @@
   </p:defaultTextStyle>
   <p:extLst>
     <p:ext uri="{EFAFB233-063F-42B5-8137-9DF3F51BA10A}">
-      <p15:sldGuideLst xmlns:p15="http://schemas.microsoft.com/office/powerpoint/2012/main"/>
+      <p15:sldGuideLst xmlns:p15="http://schemas.microsoft.com/office/powerpoint/2012/main">
+        <p15:guide id="1" orient="horz" pos="2160" userDrawn="1">
+          <p15:clr>
+            <a:srgbClr val="A4A3A4"/>
+          </p15:clr>
+        </p15:guide>
+        <p15:guide id="2" pos="3840" userDrawn="1">
+          <p15:clr>
+            <a:srgbClr val="A4A3A4"/>
+          </p15:clr>
+        </p15:guide>
+      </p15:sldGuideLst>
     </p:ext>
     <p:ext uri="{2D200454-40CA-4A62-9FC3-DE9A4176ACB9}">
       <p15:notesGuideLst xmlns:p15="http://schemas.microsoft.com/office/powerpoint/2012/main"/>
@@ -222,7 +233,7 @@
           <a:p>
             <a:fld id="{A3F2224D-1184-45AE-8BA6-1991448FAB4A}" type="datetimeFigureOut">
               <a:rPr lang="ko-KR" altLang="en-US" smtClean="0"/>
-              <a:t>2022-11-19</a:t>
+              <a:t>2022-11-21</a:t>
             </a:fld>
             <a:endParaRPr lang="ko-KR" altLang="en-US"/>
           </a:p>
@@ -399,7 +410,7 @@
           <a:p>
             <a:fld id="{986B575A-33D8-471D-8367-A965AB842AA0}" type="datetimeFigureOut">
               <a:rPr lang="ko-KR" altLang="en-US" smtClean="0"/>
-              <a:t>2022-11-19</a:t>
+              <a:t>2022-11-21</a:t>
             </a:fld>
             <a:endParaRPr lang="ko-KR" altLang="en-US"/>
           </a:p>
@@ -2133,9 +2144,9 @@
           <p:grpSpPr>
             <a:xfrm>
               <a:off x="6952907" y="2274987"/>
-              <a:ext cx="2628000" cy="443867"/>
+              <a:ext cx="2628000" cy="453250"/>
               <a:chOff x="1847507" y="2258488"/>
-              <a:chExt cx="2628000" cy="443867"/>
+              <a:chExt cx="2628000" cy="453250"/>
             </a:xfrm>
           </p:grpSpPr>
           <p:sp>
@@ -2210,7 +2221,7 @@
             <p:spPr>
               <a:xfrm>
                 <a:off x="2247107" y="2302245"/>
-                <a:ext cx="1828800" cy="400110"/>
+                <a:ext cx="1828800" cy="409493"/>
               </a:xfrm>
               <a:prstGeom prst="rect">
                 <a:avLst/>
@@ -2218,7 +2229,7 @@
               <a:noFill/>
             </p:spPr>
             <p:txBody>
-              <a:bodyPr wrap="square" rtlCol="0">
+              <a:bodyPr wrap="square" tIns="28800" bIns="46800" rtlCol="0">
                 <a:spAutoFit/>
               </a:bodyPr>
               <a:lstStyle/>
@@ -2517,7 +2528,7 @@
                 <a:ea typeface="KoPubWorld바탕체 Light" panose="00000300000000000000" pitchFamily="2" charset="-127"/>
                 <a:cs typeface="KoPubWorld바탕체 Light" panose="00000300000000000000" pitchFamily="2" charset="-127"/>
               </a:rPr>
-              <a:t>학습 데이터 획득을 위해 온라인 방식과 오프라인  방식이 병행되었다</a:t>
+              <a:t>학습 데이터 획득을 위해 온라인 방식과 오프라인 방식이 병행되었다</a:t>
             </a:r>
             <a:r>
               <a:rPr lang="en-US" altLang="ko-KR" dirty="0">
@@ -3297,8 +3308,8 @@
         </p:nvSpPr>
         <p:spPr>
           <a:xfrm>
-            <a:off x="1512419" y="3253468"/>
-            <a:ext cx="9167150" cy="2416946"/>
+            <a:off x="1458400" y="3257704"/>
+            <a:ext cx="9275186" cy="2416946"/>
           </a:xfrm>
           <a:prstGeom prst="roundRect">
             <a:avLst/>
@@ -3398,7 +3409,7 @@
         </p:nvSpPr>
         <p:spPr>
           <a:xfrm>
-            <a:off x="2966495" y="969962"/>
+            <a:off x="2966495" y="958387"/>
             <a:ext cx="6258999" cy="426605"/>
           </a:xfrm>
           <a:prstGeom prst="rect">
@@ -3974,8 +3985,8 @@
         </p:nvSpPr>
         <p:spPr>
           <a:xfrm>
-            <a:off x="4870375" y="5057007"/>
-            <a:ext cx="2460930" cy="338554"/>
+            <a:off x="4769409" y="5052771"/>
+            <a:ext cx="2653169" cy="338554"/>
           </a:xfrm>
           <a:prstGeom prst="rect">
             <a:avLst/>
@@ -4027,21 +4038,8 @@
                 <a:ea typeface="KoPubWorld돋움체 Bold" panose="00000800000000000000" pitchFamily="2" charset="-127"/>
                 <a:cs typeface="KoPubWorld돋움체 Bold" panose="00000800000000000000" pitchFamily="2" charset="-127"/>
               </a:rPr>
-              <a:t>종성 각각 </a:t>
-            </a:r>
-            <a:r>
-              <a:rPr lang="ko-KR" altLang="en-US" sz="1600" dirty="0" err="1">
-                <a:latin typeface="KoPubWorld돋움체 Bold" panose="00000800000000000000" pitchFamily="2" charset="-127"/>
-                <a:ea typeface="KoPubWorld돋움체 Bold" panose="00000800000000000000" pitchFamily="2" charset="-127"/>
-                <a:cs typeface="KoPubWorld돋움체 Bold" panose="00000800000000000000" pitchFamily="2" charset="-127"/>
-              </a:rPr>
-              <a:t>흘려씀</a:t>
-            </a:r>
-            <a:endParaRPr lang="ko-KR" altLang="en-US" sz="1600" dirty="0">
-              <a:latin typeface="KoPubWorld돋움체 Bold" panose="00000800000000000000" pitchFamily="2" charset="-127"/>
-              <a:ea typeface="KoPubWorld돋움체 Bold" panose="00000800000000000000" pitchFamily="2" charset="-127"/>
-              <a:cs typeface="KoPubWorld돋움체 Bold" panose="00000800000000000000" pitchFamily="2" charset="-127"/>
-            </a:endParaRPr>
+              <a:t>종성 각각 흘려 씀</a:t>
+            </a:r>
           </a:p>
         </p:txBody>
       </p:sp>
@@ -4059,8 +4057,8 @@
         </p:nvSpPr>
         <p:spPr>
           <a:xfrm>
-            <a:off x="7737354" y="5052771"/>
-            <a:ext cx="2460930" cy="338554"/>
+            <a:off x="7690710" y="5052771"/>
+            <a:ext cx="2557062" cy="338554"/>
           </a:xfrm>
           <a:prstGeom prst="rect">
             <a:avLst/>
@@ -4112,21 +4110,8 @@
                 <a:ea typeface="KoPubWorld돋움체 Bold" panose="00000800000000000000" pitchFamily="2" charset="-127"/>
                 <a:cs typeface="KoPubWorld돋움체 Bold" panose="00000800000000000000" pitchFamily="2" charset="-127"/>
               </a:rPr>
-              <a:t>종성 이어 </a:t>
-            </a:r>
-            <a:r>
-              <a:rPr lang="ko-KR" altLang="en-US" sz="1600" dirty="0" err="1">
-                <a:latin typeface="KoPubWorld돋움체 Bold" panose="00000800000000000000" pitchFamily="2" charset="-127"/>
-                <a:ea typeface="KoPubWorld돋움체 Bold" panose="00000800000000000000" pitchFamily="2" charset="-127"/>
-                <a:cs typeface="KoPubWorld돋움체 Bold" panose="00000800000000000000" pitchFamily="2" charset="-127"/>
-              </a:rPr>
-              <a:t>흘려씀</a:t>
-            </a:r>
-            <a:endParaRPr lang="ko-KR" altLang="en-US" sz="1600" dirty="0">
-              <a:latin typeface="KoPubWorld돋움체 Bold" panose="00000800000000000000" pitchFamily="2" charset="-127"/>
-              <a:ea typeface="KoPubWorld돋움체 Bold" panose="00000800000000000000" pitchFamily="2" charset="-127"/>
-              <a:cs typeface="KoPubWorld돋움체 Bold" panose="00000800000000000000" pitchFamily="2" charset="-127"/>
-            </a:endParaRPr>
+              <a:t>종성 이어 흘려 씀</a:t>
+            </a:r>
           </a:p>
         </p:txBody>
       </p:sp>
@@ -4144,7 +4129,7 @@
         </p:nvSpPr>
         <p:spPr>
           <a:xfrm>
-            <a:off x="3919759" y="5841030"/>
+            <a:off x="3919756" y="5855251"/>
             <a:ext cx="4352474" cy="338554"/>
           </a:xfrm>
           <a:prstGeom prst="rect">
@@ -4197,8 +4182,8 @@
         </p:nvSpPr>
         <p:spPr>
           <a:xfrm>
-            <a:off x="1993716" y="5052771"/>
-            <a:ext cx="2460930" cy="338554"/>
+            <a:off x="1944228" y="5052771"/>
+            <a:ext cx="2557049" cy="338554"/>
           </a:xfrm>
           <a:prstGeom prst="rect">
             <a:avLst/>
@@ -4213,20 +4198,12 @@
           <a:p>
             <a:pPr algn="ctr"/>
             <a:r>
-              <a:rPr lang="ko-KR" altLang="en-US" sz="1600" dirty="0" err="1">
-                <a:latin typeface="KoPubWorld돋움체 Bold" panose="00000800000000000000" pitchFamily="2" charset="-127"/>
-                <a:ea typeface="KoPubWorld돋움체 Bold" panose="00000800000000000000" pitchFamily="2" charset="-127"/>
-                <a:cs typeface="KoPubWorld돋움체 Bold" panose="00000800000000000000" pitchFamily="2" charset="-127"/>
-              </a:rPr>
-              <a:t>흘려쓰지</a:t>
-            </a:r>
-            <a:r>
               <a:rPr lang="ko-KR" altLang="en-US" sz="1600" dirty="0">
                 <a:latin typeface="KoPubWorld돋움체 Bold" panose="00000800000000000000" pitchFamily="2" charset="-127"/>
                 <a:ea typeface="KoPubWorld돋움체 Bold" panose="00000800000000000000" pitchFamily="2" charset="-127"/>
                 <a:cs typeface="KoPubWorld돋움체 Bold" panose="00000800000000000000" pitchFamily="2" charset="-127"/>
               </a:rPr>
-              <a:t> 않음</a:t>
+              <a:t>흘려 쓰지 않음</a:t>
             </a:r>
           </a:p>
         </p:txBody>
@@ -7306,16 +7283,18 @@
           <p:nvPr/>
         </p:nvCxnSpPr>
         <p:spPr>
-          <a:xfrm flipV="1">
-            <a:off x="1538969" y="3648787"/>
-            <a:ext cx="317031" cy="2047"/>
+          <a:xfrm>
+            <a:off x="1547876" y="3429000"/>
+            <a:ext cx="284009" cy="0"/>
           </a:xfrm>
           <a:prstGeom prst="straightConnector1">
             <a:avLst/>
           </a:prstGeom>
           <a:ln w="38100">
             <a:solidFill>
-              <a:srgbClr val="BBBBBB"/>
+              <a:schemeClr val="accent4">
+                <a:lumMod val="50000"/>
+              </a:schemeClr>
             </a:solidFill>
             <a:tailEnd type="triangle"/>
           </a:ln>
@@ -7346,22 +7325,24 @@
           </p:cNvPr>
           <p:cNvCxnSpPr>
             <a:cxnSpLocks/>
-            <a:stCxn id="2240" idx="3"/>
+            <a:stCxn id="2152" idx="1"/>
             <a:endCxn id="2261" idx="1"/>
           </p:cNvCxnSpPr>
           <p:nvPr/>
         </p:nvCxnSpPr>
         <p:spPr>
           <a:xfrm flipV="1">
-            <a:off x="6096224" y="2219248"/>
-            <a:ext cx="579948" cy="1431586"/>
+            <a:off x="6356383" y="1621677"/>
+            <a:ext cx="355574" cy="740980"/>
           </a:xfrm>
           <a:prstGeom prst="straightConnector1">
             <a:avLst/>
           </a:prstGeom>
           <a:ln w="38100">
             <a:solidFill>
-              <a:srgbClr val="BBBBBB"/>
+              <a:schemeClr val="accent4">
+                <a:lumMod val="50000"/>
+              </a:schemeClr>
             </a:solidFill>
             <a:tailEnd type="triangle"/>
           </a:ln>
@@ -7392,22 +7373,24 @@
           </p:cNvPr>
           <p:cNvCxnSpPr>
             <a:cxnSpLocks/>
-            <a:stCxn id="2240" idx="3"/>
+            <a:stCxn id="2152" idx="1"/>
             <a:endCxn id="2268" idx="1"/>
           </p:cNvCxnSpPr>
           <p:nvPr/>
         </p:nvCxnSpPr>
         <p:spPr>
           <a:xfrm flipV="1">
-            <a:off x="6096224" y="3646675"/>
-            <a:ext cx="584508" cy="4159"/>
+            <a:off x="6356383" y="2361595"/>
+            <a:ext cx="355574" cy="1062"/>
           </a:xfrm>
           <a:prstGeom prst="straightConnector1">
             <a:avLst/>
           </a:prstGeom>
           <a:ln w="38100">
             <a:solidFill>
-              <a:srgbClr val="BBBBBB"/>
+              <a:schemeClr val="accent4">
+                <a:lumMod val="50000"/>
+              </a:schemeClr>
             </a:solidFill>
             <a:tailEnd type="triangle"/>
           </a:ln>
@@ -7438,22 +7421,24 @@
           </p:cNvPr>
           <p:cNvCxnSpPr>
             <a:cxnSpLocks/>
-            <a:stCxn id="2240" idx="3"/>
+            <a:stCxn id="2152" idx="1"/>
             <a:endCxn id="2280" idx="1"/>
           </p:cNvCxnSpPr>
           <p:nvPr/>
         </p:nvCxnSpPr>
         <p:spPr>
           <a:xfrm>
-            <a:off x="6096224" y="3650834"/>
-            <a:ext cx="579948" cy="1431611"/>
+            <a:off x="6356383" y="2362657"/>
+            <a:ext cx="355574" cy="732971"/>
           </a:xfrm>
           <a:prstGeom prst="straightConnector1">
             <a:avLst/>
           </a:prstGeom>
           <a:ln w="38100">
             <a:solidFill>
-              <a:srgbClr val="BBBBBB"/>
+              <a:schemeClr val="accent4">
+                <a:lumMod val="50000"/>
+              </a:schemeClr>
             </a:solidFill>
             <a:tailEnd type="triangle"/>
           </a:ln>
@@ -7491,15 +7476,17 @@
         </p:nvCxnSpPr>
         <p:spPr>
           <a:xfrm>
-            <a:off x="7968685" y="2219248"/>
-            <a:ext cx="317031" cy="0"/>
+            <a:off x="7863957" y="1621677"/>
+            <a:ext cx="224177" cy="0"/>
           </a:xfrm>
           <a:prstGeom prst="straightConnector1">
             <a:avLst/>
           </a:prstGeom>
           <a:ln w="38100">
             <a:solidFill>
-              <a:srgbClr val="BBBBBB"/>
+              <a:schemeClr val="accent4">
+                <a:lumMod val="50000"/>
+              </a:schemeClr>
             </a:solidFill>
             <a:tailEnd type="triangle"/>
           </a:ln>
@@ -7536,16 +7523,18 @@
           <p:nvPr/>
         </p:nvCxnSpPr>
         <p:spPr>
-          <a:xfrm>
-            <a:off x="7968685" y="3646675"/>
-            <a:ext cx="317031" cy="4172"/>
+          <a:xfrm flipV="1">
+            <a:off x="7863957" y="2360165"/>
+            <a:ext cx="226150" cy="1430"/>
           </a:xfrm>
           <a:prstGeom prst="straightConnector1">
             <a:avLst/>
           </a:prstGeom>
           <a:ln w="38100">
             <a:solidFill>
-              <a:srgbClr val="BBBBBB"/>
+              <a:schemeClr val="accent4">
+                <a:lumMod val="50000"/>
+              </a:schemeClr>
             </a:solidFill>
             <a:tailEnd type="triangle"/>
           </a:ln>
@@ -7582,154 +7571,18 @@
           <p:nvPr/>
         </p:nvCxnSpPr>
         <p:spPr>
-          <a:xfrm flipV="1">
-            <a:off x="7964125" y="5078273"/>
-            <a:ext cx="317031" cy="4172"/>
+          <a:xfrm>
+            <a:off x="7863957" y="3095628"/>
+            <a:ext cx="226152" cy="0"/>
           </a:xfrm>
           <a:prstGeom prst="straightConnector1">
             <a:avLst/>
           </a:prstGeom>
           <a:ln w="38100">
             <a:solidFill>
-              <a:srgbClr val="BBBBBB"/>
-            </a:solidFill>
-            <a:tailEnd type="triangle"/>
-          </a:ln>
-        </p:spPr>
-        <p:style>
-          <a:lnRef idx="3">
-            <a:schemeClr val="accent1"/>
-          </a:lnRef>
-          <a:fillRef idx="0">
-            <a:schemeClr val="accent1"/>
-          </a:fillRef>
-          <a:effectRef idx="2">
-            <a:schemeClr val="accent1"/>
-          </a:effectRef>
-          <a:fontRef idx="minor">
-            <a:schemeClr val="tx1"/>
-          </a:fontRef>
-        </p:style>
-      </p:cxnSp>
-      <p:cxnSp>
-        <p:nvCxnSpPr>
-          <p:cNvPr id="2069" name="직선 화살표 연결선 2068">
-            <a:extLst>
-              <a:ext uri="{FF2B5EF4-FFF2-40B4-BE49-F238E27FC236}">
-                <a16:creationId xmlns:a16="http://schemas.microsoft.com/office/drawing/2014/main" id="{E7BD99D1-8460-D7CE-C1EB-68D2DB17C631}"/>
-              </a:ext>
-            </a:extLst>
-          </p:cNvPr>
-          <p:cNvCxnSpPr>
-            <a:cxnSpLocks/>
-            <a:stCxn id="2287" idx="3"/>
-            <a:endCxn id="2310" idx="1"/>
-          </p:cNvCxnSpPr>
-          <p:nvPr/>
-        </p:nvCxnSpPr>
-        <p:spPr>
-          <a:xfrm>
-            <a:off x="9312430" y="2219248"/>
-            <a:ext cx="584966" cy="1425069"/>
-          </a:xfrm>
-          <a:prstGeom prst="straightConnector1">
-            <a:avLst/>
-          </a:prstGeom>
-          <a:ln w="38100">
-            <a:solidFill>
-              <a:srgbClr val="BBBBBB"/>
-            </a:solidFill>
-            <a:tailEnd type="triangle"/>
-          </a:ln>
-        </p:spPr>
-        <p:style>
-          <a:lnRef idx="3">
-            <a:schemeClr val="accent1"/>
-          </a:lnRef>
-          <a:fillRef idx="0">
-            <a:schemeClr val="accent1"/>
-          </a:fillRef>
-          <a:effectRef idx="2">
-            <a:schemeClr val="accent1"/>
-          </a:effectRef>
-          <a:fontRef idx="minor">
-            <a:schemeClr val="tx1"/>
-          </a:fontRef>
-        </p:style>
-      </p:cxnSp>
-      <p:cxnSp>
-        <p:nvCxnSpPr>
-          <p:cNvPr id="2072" name="직선 화살표 연결선 2071">
-            <a:extLst>
-              <a:ext uri="{FF2B5EF4-FFF2-40B4-BE49-F238E27FC236}">
-                <a16:creationId xmlns:a16="http://schemas.microsoft.com/office/drawing/2014/main" id="{91382E7A-AC4B-A183-2ACF-53105CC0567E}"/>
-              </a:ext>
-            </a:extLst>
-          </p:cNvPr>
-          <p:cNvCxnSpPr>
-            <a:cxnSpLocks/>
-            <a:stCxn id="2299" idx="3"/>
-            <a:endCxn id="2310" idx="1"/>
-          </p:cNvCxnSpPr>
-          <p:nvPr/>
-        </p:nvCxnSpPr>
-        <p:spPr>
-          <a:xfrm flipV="1">
-            <a:off x="9312430" y="3644317"/>
-            <a:ext cx="584966" cy="6530"/>
-          </a:xfrm>
-          <a:prstGeom prst="straightConnector1">
-            <a:avLst/>
-          </a:prstGeom>
-          <a:ln w="38100">
-            <a:solidFill>
-              <a:srgbClr val="BBBBBB"/>
-            </a:solidFill>
-            <a:tailEnd type="triangle"/>
-          </a:ln>
-        </p:spPr>
-        <p:style>
-          <a:lnRef idx="3">
-            <a:schemeClr val="accent1"/>
-          </a:lnRef>
-          <a:fillRef idx="0">
-            <a:schemeClr val="accent1"/>
-          </a:fillRef>
-          <a:effectRef idx="2">
-            <a:schemeClr val="accent1"/>
-          </a:effectRef>
-          <a:fontRef idx="minor">
-            <a:schemeClr val="tx1"/>
-          </a:fontRef>
-        </p:style>
-      </p:cxnSp>
-      <p:cxnSp>
-        <p:nvCxnSpPr>
-          <p:cNvPr id="2075" name="직선 화살표 연결선 2074">
-            <a:extLst>
-              <a:ext uri="{FF2B5EF4-FFF2-40B4-BE49-F238E27FC236}">
-                <a16:creationId xmlns:a16="http://schemas.microsoft.com/office/drawing/2014/main" id="{ADD97643-1082-FB0D-B89C-6590DF8C02E0}"/>
-              </a:ext>
-            </a:extLst>
-          </p:cNvPr>
-          <p:cNvCxnSpPr>
-            <a:cxnSpLocks/>
-            <a:stCxn id="2305" idx="3"/>
-            <a:endCxn id="2310" idx="1"/>
-          </p:cNvCxnSpPr>
-          <p:nvPr/>
-        </p:nvCxnSpPr>
-        <p:spPr>
-          <a:xfrm flipV="1">
-            <a:off x="9307870" y="3644317"/>
-            <a:ext cx="589526" cy="1433956"/>
-          </a:xfrm>
-          <a:prstGeom prst="straightConnector1">
-            <a:avLst/>
-          </a:prstGeom>
-          <a:ln w="38100">
-            <a:solidFill>
-              <a:srgbClr val="BBBBBB"/>
+              <a:schemeClr val="accent4">
+                <a:lumMod val="50000"/>
+              </a:schemeClr>
             </a:solidFill>
             <a:tailEnd type="triangle"/>
           </a:ln>
@@ -7767,15 +7620,17 @@
         </p:nvCxnSpPr>
         <p:spPr>
           <a:xfrm>
-            <a:off x="10731310" y="3644317"/>
-            <a:ext cx="315880" cy="6517"/>
+            <a:off x="10764437" y="3429000"/>
+            <a:ext cx="284009" cy="0"/>
           </a:xfrm>
           <a:prstGeom prst="straightConnector1">
             <a:avLst/>
           </a:prstGeom>
           <a:ln w="38100">
             <a:solidFill>
-              <a:srgbClr val="BBBBBB"/>
+              <a:schemeClr val="accent4">
+                <a:lumMod val="50000"/>
+              </a:schemeClr>
             </a:solidFill>
             <a:tailEnd type="triangle"/>
           </a:ln>
@@ -7813,15 +7668,17 @@
         </p:nvCxnSpPr>
         <p:spPr>
           <a:xfrm>
-            <a:off x="3749463" y="3648787"/>
-            <a:ext cx="453298" cy="2047"/>
+            <a:off x="3725348" y="3429000"/>
+            <a:ext cx="412438" cy="0"/>
           </a:xfrm>
           <a:prstGeom prst="straightConnector1">
             <a:avLst/>
           </a:prstGeom>
           <a:ln w="38100">
             <a:solidFill>
-              <a:srgbClr val="BBBBBB"/>
+              <a:schemeClr val="accent4">
+                <a:lumMod val="50000"/>
+              </a:schemeClr>
             </a:solidFill>
             <a:tailEnd type="triangle"/>
           </a:ln>
@@ -7843,58 +7700,6 @@
       </p:cxnSp>
       <p:sp>
         <p:nvSpPr>
-          <p:cNvPr id="2152" name="직사각형 2151">
-            <a:extLst>
-              <a:ext uri="{FF2B5EF4-FFF2-40B4-BE49-F238E27FC236}">
-                <a16:creationId xmlns:a16="http://schemas.microsoft.com/office/drawing/2014/main" id="{C8D52EB3-737A-6B88-C68D-E878126CF43E}"/>
-              </a:ext>
-            </a:extLst>
-          </p:cNvPr>
-          <p:cNvSpPr/>
-          <p:nvPr/>
-        </p:nvSpPr>
-        <p:spPr>
-          <a:xfrm>
-            <a:off x="6449334" y="1010357"/>
-            <a:ext cx="3092816" cy="4791916"/>
-          </a:xfrm>
-          <a:prstGeom prst="rect">
-            <a:avLst/>
-          </a:prstGeom>
-          <a:noFill/>
-          <a:ln w="28575">
-            <a:solidFill>
-              <a:schemeClr val="tx1"/>
-            </a:solidFill>
-          </a:ln>
-        </p:spPr>
-        <p:style>
-          <a:lnRef idx="2">
-            <a:schemeClr val="accent1">
-              <a:shade val="50000"/>
-            </a:schemeClr>
-          </a:lnRef>
-          <a:fillRef idx="1">
-            <a:schemeClr val="accent1"/>
-          </a:fillRef>
-          <a:effectRef idx="0">
-            <a:schemeClr val="accent1"/>
-          </a:effectRef>
-          <a:fontRef idx="minor">
-            <a:schemeClr val="lt1"/>
-          </a:fontRef>
-        </p:style>
-        <p:txBody>
-          <a:bodyPr rtlCol="0" anchor="ctr"/>
-          <a:lstStyle/>
-          <a:p>
-            <a:pPr algn="ctr"/>
-            <a:endParaRPr lang="ko-KR" altLang="en-US"/>
-          </a:p>
-        </p:txBody>
-      </p:sp>
-      <p:sp>
-        <p:nvSpPr>
           <p:cNvPr id="2150" name="말풍선: 모서리가 둥근 사각형 2149">
             <a:extLst>
               <a:ext uri="{FF2B5EF4-FFF2-40B4-BE49-F238E27FC236}">
@@ -7907,7 +7712,7 @@
         </p:nvSpPr>
         <p:spPr>
           <a:xfrm>
-            <a:off x="9681040" y="1739629"/>
+            <a:off x="9721152" y="1416174"/>
             <a:ext cx="2345056" cy="1296496"/>
           </a:xfrm>
           <a:custGeom>
@@ -8188,7 +7993,7 @@
         </p:nvSpPr>
         <p:spPr>
           <a:xfrm>
-            <a:off x="9681042" y="1890103"/>
+            <a:off x="9721154" y="1566648"/>
             <a:ext cx="2345056" cy="784830"/>
           </a:xfrm>
           <a:prstGeom prst="rect">
@@ -8257,7 +8062,23 @@
                 <a:ea typeface="KoPubWorld바탕체 Light" panose="00000300000000000000" pitchFamily="2" charset="-127"/>
                 <a:cs typeface="KoPubWorld바탕체 Light" panose="00000300000000000000" pitchFamily="2" charset="-127"/>
               </a:rPr>
-              <a:t>결과가 일정 임계 값 이상의</a:t>
+              <a:t>결과가 일정 </a:t>
+            </a:r>
+            <a:r>
+              <a:rPr lang="ko-KR" altLang="en-US" sz="1500" dirty="0" err="1">
+                <a:latin typeface="KoPubWorld바탕체 Light" panose="00000300000000000000" pitchFamily="2" charset="-127"/>
+                <a:ea typeface="KoPubWorld바탕체 Light" panose="00000300000000000000" pitchFamily="2" charset="-127"/>
+                <a:cs typeface="KoPubWorld바탕체 Light" panose="00000300000000000000" pitchFamily="2" charset="-127"/>
+              </a:rPr>
+              <a:t>임계값</a:t>
+            </a:r>
+            <a:r>
+              <a:rPr lang="ko-KR" altLang="en-US" sz="1500" dirty="0">
+                <a:latin typeface="KoPubWorld바탕체 Light" panose="00000300000000000000" pitchFamily="2" charset="-127"/>
+                <a:ea typeface="KoPubWorld바탕체 Light" panose="00000300000000000000" pitchFamily="2" charset="-127"/>
+                <a:cs typeface="KoPubWorld바탕체 Light" panose="00000300000000000000" pitchFamily="2" charset="-127"/>
+              </a:rPr>
+              <a:t> 이상의</a:t>
             </a:r>
             <a:br>
               <a:rPr lang="en-US" altLang="ko-KR" sz="1500" dirty="0">
@@ -8291,8 +8112,8 @@
         </p:nvSpPr>
         <p:spPr>
           <a:xfrm>
-            <a:off x="7678988" y="1146614"/>
-            <a:ext cx="633507" cy="400110"/>
+            <a:off x="7681731" y="797423"/>
+            <a:ext cx="588623" cy="369332"/>
           </a:xfrm>
           <a:prstGeom prst="rect">
             <a:avLst/>
@@ -8307,64 +8128,21 @@
           <a:p>
             <a:pPr algn="ctr"/>
             <a:r>
-              <a:rPr lang="ko-KR" altLang="en-US" sz="2000" dirty="0">
+              <a:rPr lang="ko-KR" altLang="en-US" dirty="0">
                 <a:latin typeface="KoPubWorld돋움체 Medium" panose="00000600000000000000" pitchFamily="2" charset="-127"/>
                 <a:ea typeface="KoPubWorld돋움체 Medium" panose="00000600000000000000" pitchFamily="2" charset="-127"/>
                 <a:cs typeface="KoPubWorld돋움체 Medium" panose="00000600000000000000" pitchFamily="2" charset="-127"/>
               </a:rPr>
               <a:t>반복</a:t>
             </a:r>
+            <a:endParaRPr lang="ko-KR" altLang="en-US" sz="2000" dirty="0">
+              <a:latin typeface="KoPubWorld돋움체 Medium" panose="00000600000000000000" pitchFamily="2" charset="-127"/>
+              <a:ea typeface="KoPubWorld돋움체 Medium" panose="00000600000000000000" pitchFamily="2" charset="-127"/>
+              <a:cs typeface="KoPubWorld돋움체 Medium" panose="00000600000000000000" pitchFamily="2" charset="-127"/>
+            </a:endParaRPr>
           </a:p>
         </p:txBody>
       </p:sp>
-      <p:cxnSp>
-        <p:nvCxnSpPr>
-          <p:cNvPr id="2157" name="연결선: 꺾임 2156">
-            <a:extLst>
-              <a:ext uri="{FF2B5EF4-FFF2-40B4-BE49-F238E27FC236}">
-                <a16:creationId xmlns:a16="http://schemas.microsoft.com/office/drawing/2014/main" id="{44F5B9E8-09ED-D475-24C5-8FD1309AD1D3}"/>
-              </a:ext>
-            </a:extLst>
-          </p:cNvPr>
-          <p:cNvCxnSpPr>
-            <a:cxnSpLocks/>
-            <a:stCxn id="2198" idx="2"/>
-            <a:endCxn id="2343" idx="2"/>
-          </p:cNvCxnSpPr>
-          <p:nvPr/>
-        </p:nvCxnSpPr>
-        <p:spPr>
-          <a:xfrm rot="5400000" flipH="1" flipV="1">
-            <a:off x="6992347" y="96114"/>
-            <a:ext cx="282184" cy="8661415"/>
-          </a:xfrm>
-          <a:prstGeom prst="bentConnector3">
-            <a:avLst>
-              <a:gd name="adj1" fmla="val -556824"/>
-            </a:avLst>
-          </a:prstGeom>
-          <a:ln w="38100">
-            <a:solidFill>
-              <a:srgbClr val="BBBBBB"/>
-            </a:solidFill>
-            <a:tailEnd type="triangle"/>
-          </a:ln>
-        </p:spPr>
-        <p:style>
-          <a:lnRef idx="1">
-            <a:schemeClr val="accent1"/>
-          </a:lnRef>
-          <a:fillRef idx="0">
-            <a:schemeClr val="accent1"/>
-          </a:fillRef>
-          <a:effectRef idx="0">
-            <a:schemeClr val="accent1"/>
-          </a:effectRef>
-          <a:fontRef idx="minor">
-            <a:schemeClr val="tx1"/>
-          </a:fontRef>
-        </p:style>
-      </p:cxnSp>
       <p:sp>
         <p:nvSpPr>
           <p:cNvPr id="2169" name="TextBox 2168">
@@ -8379,7 +8157,7 @@
         </p:nvSpPr>
         <p:spPr>
           <a:xfrm>
-            <a:off x="3457174" y="1939498"/>
+            <a:off x="3389055" y="1872183"/>
             <a:ext cx="2300887" cy="323165"/>
           </a:xfrm>
           <a:prstGeom prst="rect">
@@ -8419,8 +8197,8 @@
         </p:nvSpPr>
         <p:spPr>
           <a:xfrm>
-            <a:off x="3457175" y="1777270"/>
-            <a:ext cx="2300887" cy="1836207"/>
+            <a:off x="3404097" y="1755022"/>
+            <a:ext cx="2300887" cy="1673980"/>
           </a:xfrm>
           <a:custGeom>
             <a:avLst/>
@@ -8742,7 +8520,7 @@
         </p:nvSpPr>
         <p:spPr>
           <a:xfrm>
-            <a:off x="1856000" y="2729660"/>
+            <a:off x="1831885" y="2509873"/>
             <a:ext cx="1893463" cy="1838254"/>
           </a:xfrm>
           <a:prstGeom prst="roundRect">
@@ -8865,6 +8643,1461 @@
       </p:sp>
       <p:sp>
         <p:nvSpPr>
+          <p:cNvPr id="2257" name="사각형: 둥근 모서리 2256">
+            <a:extLst>
+              <a:ext uri="{FF2B5EF4-FFF2-40B4-BE49-F238E27FC236}">
+                <a16:creationId xmlns:a16="http://schemas.microsoft.com/office/drawing/2014/main" id="{3DA822D9-BE7B-898C-1524-1ADE04739091}"/>
+              </a:ext>
+            </a:extLst>
+          </p:cNvPr>
+          <p:cNvSpPr/>
+          <p:nvPr/>
+        </p:nvSpPr>
+        <p:spPr>
+          <a:xfrm>
+            <a:off x="319803" y="2992056"/>
+            <a:ext cx="1228073" cy="873888"/>
+          </a:xfrm>
+          <a:prstGeom prst="roundRect">
+            <a:avLst/>
+          </a:prstGeom>
+          <a:solidFill>
+            <a:srgbClr val="8DC63F"/>
+          </a:solidFill>
+          <a:ln>
+            <a:noFill/>
+          </a:ln>
+        </p:spPr>
+        <p:style>
+          <a:lnRef idx="2">
+            <a:schemeClr val="accent1">
+              <a:shade val="50000"/>
+            </a:schemeClr>
+          </a:lnRef>
+          <a:fillRef idx="1">
+            <a:schemeClr val="accent1"/>
+          </a:fillRef>
+          <a:effectRef idx="0">
+            <a:schemeClr val="accent1"/>
+          </a:effectRef>
+          <a:fontRef idx="minor">
+            <a:schemeClr val="lt1"/>
+          </a:fontRef>
+        </p:style>
+        <p:txBody>
+          <a:bodyPr rtlCol="0" anchor="ctr"/>
+          <a:lstStyle/>
+          <a:p>
+            <a:pPr algn="ctr"/>
+            <a:r>
+              <a:rPr lang="ko-KR" altLang="en-US" dirty="0">
+                <a:solidFill>
+                  <a:schemeClr val="tx1"/>
+                </a:solidFill>
+                <a:latin typeface="KoPubWorld돋움체 Medium" panose="00000600000000000000" pitchFamily="2" charset="-127"/>
+                <a:ea typeface="KoPubWorld돋움체 Medium" panose="00000600000000000000" pitchFamily="2" charset="-127"/>
+                <a:cs typeface="KoPubWorld돋움체 Medium" panose="00000600000000000000" pitchFamily="2" charset="-127"/>
+              </a:rPr>
+              <a:t>한글 필기</a:t>
+            </a:r>
+          </a:p>
+        </p:txBody>
+      </p:sp>
+      <p:sp>
+        <p:nvSpPr>
+          <p:cNvPr id="2261" name="사각형: 둥근 모서리 2260">
+            <a:extLst>
+              <a:ext uri="{FF2B5EF4-FFF2-40B4-BE49-F238E27FC236}">
+                <a16:creationId xmlns:a16="http://schemas.microsoft.com/office/drawing/2014/main" id="{9FD60A6B-5141-A561-3A02-CA09C9739757}"/>
+              </a:ext>
+            </a:extLst>
+          </p:cNvPr>
+          <p:cNvSpPr/>
+          <p:nvPr/>
+        </p:nvSpPr>
+        <p:spPr>
+          <a:xfrm>
+            <a:off x="6711957" y="1297677"/>
+            <a:ext cx="1152000" cy="648000"/>
+          </a:xfrm>
+          <a:prstGeom prst="roundRect">
+            <a:avLst/>
+          </a:prstGeom>
+          <a:solidFill>
+            <a:srgbClr val="C1E8AC"/>
+          </a:solidFill>
+          <a:ln>
+            <a:noFill/>
+          </a:ln>
+        </p:spPr>
+        <p:style>
+          <a:lnRef idx="2">
+            <a:schemeClr val="accent1">
+              <a:shade val="50000"/>
+            </a:schemeClr>
+          </a:lnRef>
+          <a:fillRef idx="1">
+            <a:schemeClr val="accent1"/>
+          </a:fillRef>
+          <a:effectRef idx="0">
+            <a:schemeClr val="accent1"/>
+          </a:effectRef>
+          <a:fontRef idx="minor">
+            <a:schemeClr val="lt1"/>
+          </a:fontRef>
+        </p:style>
+        <p:txBody>
+          <a:bodyPr rtlCol="0" anchor="ctr"/>
+          <a:lstStyle/>
+          <a:p>
+            <a:pPr algn="ctr"/>
+            <a:r>
+              <a:rPr lang="ko-KR" altLang="en-US" dirty="0">
+                <a:solidFill>
+                  <a:schemeClr val="tx1"/>
+                </a:solidFill>
+                <a:latin typeface="KoPubWorld돋움체 Medium" panose="00000600000000000000" pitchFamily="2" charset="-127"/>
+                <a:ea typeface="KoPubWorld돋움체 Medium" panose="00000600000000000000" pitchFamily="2" charset="-127"/>
+                <a:cs typeface="KoPubWorld돋움체 Medium" panose="00000600000000000000" pitchFamily="2" charset="-127"/>
+              </a:rPr>
+              <a:t>초성 후보</a:t>
+            </a:r>
+          </a:p>
+        </p:txBody>
+      </p:sp>
+      <p:sp>
+        <p:nvSpPr>
+          <p:cNvPr id="2268" name="사각형: 둥근 모서리 2267">
+            <a:extLst>
+              <a:ext uri="{FF2B5EF4-FFF2-40B4-BE49-F238E27FC236}">
+                <a16:creationId xmlns:a16="http://schemas.microsoft.com/office/drawing/2014/main" id="{7F92F109-4862-CB4B-33DD-DAD570BAFDDC}"/>
+              </a:ext>
+            </a:extLst>
+          </p:cNvPr>
+          <p:cNvSpPr/>
+          <p:nvPr/>
+        </p:nvSpPr>
+        <p:spPr>
+          <a:xfrm>
+            <a:off x="6711957" y="2037595"/>
+            <a:ext cx="1152000" cy="648000"/>
+          </a:xfrm>
+          <a:prstGeom prst="roundRect">
+            <a:avLst/>
+          </a:prstGeom>
+          <a:solidFill>
+            <a:srgbClr val="C1E8AC"/>
+          </a:solidFill>
+          <a:ln>
+            <a:noFill/>
+          </a:ln>
+        </p:spPr>
+        <p:style>
+          <a:lnRef idx="2">
+            <a:schemeClr val="accent1">
+              <a:shade val="50000"/>
+            </a:schemeClr>
+          </a:lnRef>
+          <a:fillRef idx="1">
+            <a:schemeClr val="accent1"/>
+          </a:fillRef>
+          <a:effectRef idx="0">
+            <a:schemeClr val="accent1"/>
+          </a:effectRef>
+          <a:fontRef idx="minor">
+            <a:schemeClr val="lt1"/>
+          </a:fontRef>
+        </p:style>
+        <p:txBody>
+          <a:bodyPr rtlCol="0" anchor="ctr"/>
+          <a:lstStyle/>
+          <a:p>
+            <a:pPr algn="ctr"/>
+            <a:r>
+              <a:rPr lang="ko-KR" altLang="en-US" dirty="0">
+                <a:solidFill>
+                  <a:schemeClr val="tx1"/>
+                </a:solidFill>
+                <a:latin typeface="KoPubWorld돋움체 Medium" panose="00000600000000000000" pitchFamily="2" charset="-127"/>
+                <a:ea typeface="KoPubWorld돋움체 Medium" panose="00000600000000000000" pitchFamily="2" charset="-127"/>
+                <a:cs typeface="KoPubWorld돋움체 Medium" panose="00000600000000000000" pitchFamily="2" charset="-127"/>
+              </a:rPr>
+              <a:t>중성 후보</a:t>
+            </a:r>
+          </a:p>
+        </p:txBody>
+      </p:sp>
+      <p:sp>
+        <p:nvSpPr>
+          <p:cNvPr id="2280" name="사각형: 둥근 모서리 2279">
+            <a:extLst>
+              <a:ext uri="{FF2B5EF4-FFF2-40B4-BE49-F238E27FC236}">
+                <a16:creationId xmlns:a16="http://schemas.microsoft.com/office/drawing/2014/main" id="{08E63211-AB20-8482-D5F0-A22216AA76E3}"/>
+              </a:ext>
+            </a:extLst>
+          </p:cNvPr>
+          <p:cNvSpPr/>
+          <p:nvPr/>
+        </p:nvSpPr>
+        <p:spPr>
+          <a:xfrm>
+            <a:off x="6711957" y="2771628"/>
+            <a:ext cx="1152000" cy="648000"/>
+          </a:xfrm>
+          <a:prstGeom prst="roundRect">
+            <a:avLst/>
+          </a:prstGeom>
+          <a:solidFill>
+            <a:srgbClr val="C1E8AC"/>
+          </a:solidFill>
+          <a:ln>
+            <a:noFill/>
+          </a:ln>
+        </p:spPr>
+        <p:style>
+          <a:lnRef idx="2">
+            <a:schemeClr val="accent1">
+              <a:shade val="50000"/>
+            </a:schemeClr>
+          </a:lnRef>
+          <a:fillRef idx="1">
+            <a:schemeClr val="accent1"/>
+          </a:fillRef>
+          <a:effectRef idx="0">
+            <a:schemeClr val="accent1"/>
+          </a:effectRef>
+          <a:fontRef idx="minor">
+            <a:schemeClr val="lt1"/>
+          </a:fontRef>
+        </p:style>
+        <p:txBody>
+          <a:bodyPr rtlCol="0" anchor="ctr"/>
+          <a:lstStyle/>
+          <a:p>
+            <a:pPr algn="ctr"/>
+            <a:r>
+              <a:rPr lang="ko-KR" altLang="en-US" dirty="0">
+                <a:solidFill>
+                  <a:schemeClr val="tx1"/>
+                </a:solidFill>
+                <a:latin typeface="KoPubWorld돋움체 Medium" panose="00000600000000000000" pitchFamily="2" charset="-127"/>
+                <a:ea typeface="KoPubWorld돋움체 Medium" panose="00000600000000000000" pitchFamily="2" charset="-127"/>
+                <a:cs typeface="KoPubWorld돋움체 Medium" panose="00000600000000000000" pitchFamily="2" charset="-127"/>
+              </a:rPr>
+              <a:t>종성 후보</a:t>
+            </a:r>
+          </a:p>
+        </p:txBody>
+      </p:sp>
+      <p:sp>
+        <p:nvSpPr>
+          <p:cNvPr id="2299" name="사각형: 둥근 모서리 2298">
+            <a:extLst>
+              <a:ext uri="{FF2B5EF4-FFF2-40B4-BE49-F238E27FC236}">
+                <a16:creationId xmlns:a16="http://schemas.microsoft.com/office/drawing/2014/main" id="{B0B74836-F139-3D61-A19F-56B9083A7085}"/>
+              </a:ext>
+            </a:extLst>
+          </p:cNvPr>
+          <p:cNvSpPr/>
+          <p:nvPr/>
+        </p:nvSpPr>
+        <p:spPr>
+          <a:xfrm>
+            <a:off x="8090107" y="2036165"/>
+            <a:ext cx="1152000" cy="648000"/>
+          </a:xfrm>
+          <a:prstGeom prst="roundRect">
+            <a:avLst/>
+          </a:prstGeom>
+          <a:solidFill>
+            <a:srgbClr val="C1E8AC"/>
+          </a:solidFill>
+          <a:ln>
+            <a:noFill/>
+          </a:ln>
+        </p:spPr>
+        <p:style>
+          <a:lnRef idx="2">
+            <a:schemeClr val="accent1">
+              <a:shade val="50000"/>
+            </a:schemeClr>
+          </a:lnRef>
+          <a:fillRef idx="1">
+            <a:schemeClr val="accent1"/>
+          </a:fillRef>
+          <a:effectRef idx="0">
+            <a:schemeClr val="accent1"/>
+          </a:effectRef>
+          <a:fontRef idx="minor">
+            <a:schemeClr val="lt1"/>
+          </a:fontRef>
+        </p:style>
+        <p:txBody>
+          <a:bodyPr rtlCol="0" anchor="ctr"/>
+          <a:lstStyle/>
+          <a:p>
+            <a:pPr algn="ctr"/>
+            <a:r>
+              <a:rPr lang="ko-KR" altLang="en-US" dirty="0">
+                <a:solidFill>
+                  <a:schemeClr val="tx1"/>
+                </a:solidFill>
+                <a:latin typeface="KoPubWorld돋움체 Medium" panose="00000600000000000000" pitchFamily="2" charset="-127"/>
+                <a:ea typeface="KoPubWorld돋움체 Medium" panose="00000600000000000000" pitchFamily="2" charset="-127"/>
+                <a:cs typeface="KoPubWorld돋움체 Medium" panose="00000600000000000000" pitchFamily="2" charset="-127"/>
+              </a:rPr>
+              <a:t>인식</a:t>
+            </a:r>
+            <a:endParaRPr lang="ko-KR" altLang="en-US" dirty="0">
+              <a:solidFill>
+                <a:schemeClr val="tx1"/>
+              </a:solidFill>
+            </a:endParaRPr>
+          </a:p>
+        </p:txBody>
+      </p:sp>
+      <p:sp>
+        <p:nvSpPr>
+          <p:cNvPr id="2343" name="사각형: 둥근 모서리 2342">
+            <a:extLst>
+              <a:ext uri="{FF2B5EF4-FFF2-40B4-BE49-F238E27FC236}">
+                <a16:creationId xmlns:a16="http://schemas.microsoft.com/office/drawing/2014/main" id="{27B97253-8D2B-73F9-403F-AD0D2025207C}"/>
+              </a:ext>
+            </a:extLst>
+          </p:cNvPr>
+          <p:cNvSpPr/>
+          <p:nvPr/>
+        </p:nvSpPr>
+        <p:spPr>
+          <a:xfrm>
+            <a:off x="11048446" y="2794104"/>
+            <a:ext cx="833914" cy="1269792"/>
+          </a:xfrm>
+          <a:prstGeom prst="roundRect">
+            <a:avLst/>
+          </a:prstGeom>
+          <a:solidFill>
+            <a:srgbClr val="8DC63F"/>
+          </a:solidFill>
+          <a:ln>
+            <a:noFill/>
+          </a:ln>
+        </p:spPr>
+        <p:style>
+          <a:lnRef idx="2">
+            <a:schemeClr val="accent1">
+              <a:shade val="50000"/>
+            </a:schemeClr>
+          </a:lnRef>
+          <a:fillRef idx="1">
+            <a:schemeClr val="accent1"/>
+          </a:fillRef>
+          <a:effectRef idx="0">
+            <a:schemeClr val="accent1"/>
+          </a:effectRef>
+          <a:fontRef idx="minor">
+            <a:schemeClr val="lt1"/>
+          </a:fontRef>
+        </p:style>
+        <p:txBody>
+          <a:bodyPr rtlCol="0" anchor="ctr"/>
+          <a:lstStyle/>
+          <a:p>
+            <a:pPr algn="ctr"/>
+            <a:r>
+              <a:rPr lang="ko-KR" altLang="en-US" dirty="0">
+                <a:solidFill>
+                  <a:schemeClr val="tx1"/>
+                </a:solidFill>
+                <a:latin typeface="KoPubWorld돋움체 Medium" panose="00000600000000000000" pitchFamily="2" charset="-127"/>
+                <a:ea typeface="KoPubWorld돋움체 Medium" panose="00000600000000000000" pitchFamily="2" charset="-127"/>
+                <a:cs typeface="KoPubWorld돋움체 Medium" panose="00000600000000000000" pitchFamily="2" charset="-127"/>
+              </a:rPr>
+              <a:t>결과</a:t>
+            </a:r>
+          </a:p>
+        </p:txBody>
+      </p:sp>
+      <p:sp>
+        <p:nvSpPr>
+          <p:cNvPr id="2246" name="사각형: 둥근 모서리 2245">
+            <a:extLst>
+              <a:ext uri="{FF2B5EF4-FFF2-40B4-BE49-F238E27FC236}">
+                <a16:creationId xmlns:a16="http://schemas.microsoft.com/office/drawing/2014/main" id="{54FF8952-BFBC-DD46-B49E-2FADB9F85F6D}"/>
+              </a:ext>
+            </a:extLst>
+          </p:cNvPr>
+          <p:cNvSpPr/>
+          <p:nvPr/>
+        </p:nvSpPr>
+        <p:spPr>
+          <a:xfrm>
+            <a:off x="6711959" y="4208303"/>
+            <a:ext cx="1152000" cy="648000"/>
+          </a:xfrm>
+          <a:prstGeom prst="roundRect">
+            <a:avLst/>
+          </a:prstGeom>
+          <a:solidFill>
+            <a:srgbClr val="C1E8AC"/>
+          </a:solidFill>
+          <a:ln>
+            <a:noFill/>
+          </a:ln>
+        </p:spPr>
+        <p:style>
+          <a:lnRef idx="2">
+            <a:schemeClr val="accent1">
+              <a:shade val="50000"/>
+            </a:schemeClr>
+          </a:lnRef>
+          <a:fillRef idx="1">
+            <a:schemeClr val="accent1"/>
+          </a:fillRef>
+          <a:effectRef idx="0">
+            <a:schemeClr val="accent1"/>
+          </a:effectRef>
+          <a:fontRef idx="minor">
+            <a:schemeClr val="lt1"/>
+          </a:fontRef>
+        </p:style>
+        <p:txBody>
+          <a:bodyPr rtlCol="0" anchor="ctr"/>
+          <a:lstStyle/>
+          <a:p>
+            <a:pPr algn="ctr"/>
+            <a:r>
+              <a:rPr lang="ko-KR" altLang="en-US" dirty="0">
+                <a:solidFill>
+                  <a:schemeClr val="tx1"/>
+                </a:solidFill>
+                <a:latin typeface="KoPubWorld돋움체 Medium" panose="00000600000000000000" pitchFamily="2" charset="-127"/>
+                <a:ea typeface="KoPubWorld돋움체 Medium" panose="00000600000000000000" pitchFamily="2" charset="-127"/>
+                <a:cs typeface="KoPubWorld돋움체 Medium" panose="00000600000000000000" pitchFamily="2" charset="-127"/>
+              </a:rPr>
+              <a:t>초성</a:t>
+            </a:r>
+          </a:p>
+        </p:txBody>
+      </p:sp>
+      <p:sp>
+        <p:nvSpPr>
+          <p:cNvPr id="2247" name="사각형: 둥근 모서리 2246">
+            <a:extLst>
+              <a:ext uri="{FF2B5EF4-FFF2-40B4-BE49-F238E27FC236}">
+                <a16:creationId xmlns:a16="http://schemas.microsoft.com/office/drawing/2014/main" id="{C36774D7-D271-3C35-81D7-3E2A01B4FBA7}"/>
+              </a:ext>
+            </a:extLst>
+          </p:cNvPr>
+          <p:cNvSpPr/>
+          <p:nvPr/>
+        </p:nvSpPr>
+        <p:spPr>
+          <a:xfrm>
+            <a:off x="6711957" y="4942336"/>
+            <a:ext cx="1152000" cy="648000"/>
+          </a:xfrm>
+          <a:prstGeom prst="roundRect">
+            <a:avLst/>
+          </a:prstGeom>
+          <a:solidFill>
+            <a:srgbClr val="C1E8AC"/>
+          </a:solidFill>
+          <a:ln>
+            <a:noFill/>
+          </a:ln>
+        </p:spPr>
+        <p:style>
+          <a:lnRef idx="2">
+            <a:schemeClr val="accent1">
+              <a:shade val="50000"/>
+            </a:schemeClr>
+          </a:lnRef>
+          <a:fillRef idx="1">
+            <a:schemeClr val="accent1"/>
+          </a:fillRef>
+          <a:effectRef idx="0">
+            <a:schemeClr val="accent1"/>
+          </a:effectRef>
+          <a:fontRef idx="minor">
+            <a:schemeClr val="lt1"/>
+          </a:fontRef>
+        </p:style>
+        <p:txBody>
+          <a:bodyPr rtlCol="0" anchor="ctr"/>
+          <a:lstStyle/>
+          <a:p>
+            <a:pPr algn="ctr"/>
+            <a:r>
+              <a:rPr lang="ko-KR" altLang="en-US" dirty="0">
+                <a:solidFill>
+                  <a:schemeClr val="tx1"/>
+                </a:solidFill>
+                <a:latin typeface="KoPubWorld돋움체 Medium" panose="00000600000000000000" pitchFamily="2" charset="-127"/>
+                <a:ea typeface="KoPubWorld돋움체 Medium" panose="00000600000000000000" pitchFamily="2" charset="-127"/>
+                <a:cs typeface="KoPubWorld돋움체 Medium" panose="00000600000000000000" pitchFamily="2" charset="-127"/>
+              </a:rPr>
+              <a:t>중성</a:t>
+            </a:r>
+          </a:p>
+        </p:txBody>
+      </p:sp>
+      <p:sp>
+        <p:nvSpPr>
+          <p:cNvPr id="2248" name="사각형: 둥근 모서리 2247">
+            <a:extLst>
+              <a:ext uri="{FF2B5EF4-FFF2-40B4-BE49-F238E27FC236}">
+                <a16:creationId xmlns:a16="http://schemas.microsoft.com/office/drawing/2014/main" id="{0B972967-671A-308F-F7FB-984BBFA1193D}"/>
+              </a:ext>
+            </a:extLst>
+          </p:cNvPr>
+          <p:cNvSpPr/>
+          <p:nvPr/>
+        </p:nvSpPr>
+        <p:spPr>
+          <a:xfrm>
+            <a:off x="6711957" y="5676369"/>
+            <a:ext cx="1152000" cy="648000"/>
+          </a:xfrm>
+          <a:prstGeom prst="roundRect">
+            <a:avLst/>
+          </a:prstGeom>
+          <a:solidFill>
+            <a:srgbClr val="C1E8AC"/>
+          </a:solidFill>
+          <a:ln>
+            <a:noFill/>
+          </a:ln>
+        </p:spPr>
+        <p:style>
+          <a:lnRef idx="2">
+            <a:schemeClr val="accent1">
+              <a:shade val="50000"/>
+            </a:schemeClr>
+          </a:lnRef>
+          <a:fillRef idx="1">
+            <a:schemeClr val="accent1"/>
+          </a:fillRef>
+          <a:effectRef idx="0">
+            <a:schemeClr val="accent1"/>
+          </a:effectRef>
+          <a:fontRef idx="minor">
+            <a:schemeClr val="lt1"/>
+          </a:fontRef>
+        </p:style>
+        <p:txBody>
+          <a:bodyPr rtlCol="0" anchor="ctr"/>
+          <a:lstStyle/>
+          <a:p>
+            <a:pPr algn="ctr"/>
+            <a:r>
+              <a:rPr lang="ko-KR" altLang="en-US" dirty="0">
+                <a:solidFill>
+                  <a:schemeClr val="tx1"/>
+                </a:solidFill>
+                <a:latin typeface="KoPubWorld돋움체 Medium" panose="00000600000000000000" pitchFamily="2" charset="-127"/>
+                <a:ea typeface="KoPubWorld돋움체 Medium" panose="00000600000000000000" pitchFamily="2" charset="-127"/>
+                <a:cs typeface="KoPubWorld돋움체 Medium" panose="00000600000000000000" pitchFamily="2" charset="-127"/>
+              </a:rPr>
+              <a:t>종성</a:t>
+            </a:r>
+          </a:p>
+        </p:txBody>
+      </p:sp>
+      <p:sp>
+        <p:nvSpPr>
+          <p:cNvPr id="2250" name="사각형: 둥근 모서리 2249">
+            <a:extLst>
+              <a:ext uri="{FF2B5EF4-FFF2-40B4-BE49-F238E27FC236}">
+                <a16:creationId xmlns:a16="http://schemas.microsoft.com/office/drawing/2014/main" id="{7AAC5D6E-6C2A-1EE4-AAF0-C92D93A2BD44}"/>
+              </a:ext>
+            </a:extLst>
+          </p:cNvPr>
+          <p:cNvSpPr/>
+          <p:nvPr/>
+        </p:nvSpPr>
+        <p:spPr>
+          <a:xfrm>
+            <a:off x="8090109" y="4945228"/>
+            <a:ext cx="1152000" cy="648000"/>
+          </a:xfrm>
+          <a:prstGeom prst="roundRect">
+            <a:avLst/>
+          </a:prstGeom>
+          <a:solidFill>
+            <a:srgbClr val="C1E8AC"/>
+          </a:solidFill>
+          <a:ln>
+            <a:noFill/>
+          </a:ln>
+        </p:spPr>
+        <p:style>
+          <a:lnRef idx="2">
+            <a:schemeClr val="accent1">
+              <a:shade val="50000"/>
+            </a:schemeClr>
+          </a:lnRef>
+          <a:fillRef idx="1">
+            <a:schemeClr val="accent1"/>
+          </a:fillRef>
+          <a:effectRef idx="0">
+            <a:schemeClr val="accent1"/>
+          </a:effectRef>
+          <a:fontRef idx="minor">
+            <a:schemeClr val="lt1"/>
+          </a:fontRef>
+        </p:style>
+        <p:txBody>
+          <a:bodyPr rtlCol="0" anchor="ctr"/>
+          <a:lstStyle/>
+          <a:p>
+            <a:pPr algn="ctr"/>
+            <a:r>
+              <a:rPr lang="ko-KR" altLang="en-US" dirty="0">
+                <a:solidFill>
+                  <a:schemeClr val="tx1"/>
+                </a:solidFill>
+                <a:latin typeface="KoPubWorld돋움체 Medium" panose="00000600000000000000" pitchFamily="2" charset="-127"/>
+                <a:ea typeface="KoPubWorld돋움체 Medium" panose="00000600000000000000" pitchFamily="2" charset="-127"/>
+                <a:cs typeface="KoPubWorld돋움체 Medium" panose="00000600000000000000" pitchFamily="2" charset="-127"/>
+              </a:rPr>
+              <a:t>인식</a:t>
+            </a:r>
+            <a:endParaRPr lang="ko-KR" altLang="en-US" dirty="0">
+              <a:solidFill>
+                <a:schemeClr val="tx1"/>
+              </a:solidFill>
+            </a:endParaRPr>
+          </a:p>
+        </p:txBody>
+      </p:sp>
+      <p:cxnSp>
+        <p:nvCxnSpPr>
+          <p:cNvPr id="2252" name="직선 화살표 연결선 2251">
+            <a:extLst>
+              <a:ext uri="{FF2B5EF4-FFF2-40B4-BE49-F238E27FC236}">
+                <a16:creationId xmlns:a16="http://schemas.microsoft.com/office/drawing/2014/main" id="{4C16B9CC-B448-AFA2-3A86-6CCB5893EE4E}"/>
+              </a:ext>
+            </a:extLst>
+          </p:cNvPr>
+          <p:cNvCxnSpPr>
+            <a:cxnSpLocks/>
+            <a:stCxn id="2246" idx="3"/>
+            <a:endCxn id="2249" idx="1"/>
+          </p:cNvCxnSpPr>
+          <p:nvPr/>
+        </p:nvCxnSpPr>
+        <p:spPr>
+          <a:xfrm>
+            <a:off x="7863959" y="4532303"/>
+            <a:ext cx="226150" cy="0"/>
+          </a:xfrm>
+          <a:prstGeom prst="straightConnector1">
+            <a:avLst/>
+          </a:prstGeom>
+          <a:ln w="38100">
+            <a:solidFill>
+              <a:schemeClr val="accent4">
+                <a:lumMod val="50000"/>
+              </a:schemeClr>
+            </a:solidFill>
+            <a:tailEnd type="triangle"/>
+          </a:ln>
+        </p:spPr>
+        <p:style>
+          <a:lnRef idx="3">
+            <a:schemeClr val="accent1"/>
+          </a:lnRef>
+          <a:fillRef idx="0">
+            <a:schemeClr val="accent1"/>
+          </a:fillRef>
+          <a:effectRef idx="2">
+            <a:schemeClr val="accent1"/>
+          </a:effectRef>
+          <a:fontRef idx="minor">
+            <a:schemeClr val="tx1"/>
+          </a:fontRef>
+        </p:style>
+      </p:cxnSp>
+      <p:cxnSp>
+        <p:nvCxnSpPr>
+          <p:cNvPr id="2255" name="직선 화살표 연결선 2254">
+            <a:extLst>
+              <a:ext uri="{FF2B5EF4-FFF2-40B4-BE49-F238E27FC236}">
+                <a16:creationId xmlns:a16="http://schemas.microsoft.com/office/drawing/2014/main" id="{548BDD7E-E7DA-F1AF-38C0-27C6CE5B0ACE}"/>
+              </a:ext>
+            </a:extLst>
+          </p:cNvPr>
+          <p:cNvCxnSpPr>
+            <a:cxnSpLocks/>
+            <a:stCxn id="2247" idx="3"/>
+            <a:endCxn id="2250" idx="1"/>
+          </p:cNvCxnSpPr>
+          <p:nvPr/>
+        </p:nvCxnSpPr>
+        <p:spPr>
+          <a:xfrm>
+            <a:off x="7863957" y="5266336"/>
+            <a:ext cx="226152" cy="2892"/>
+          </a:xfrm>
+          <a:prstGeom prst="straightConnector1">
+            <a:avLst/>
+          </a:prstGeom>
+          <a:ln w="38100">
+            <a:solidFill>
+              <a:schemeClr val="accent4">
+                <a:lumMod val="50000"/>
+              </a:schemeClr>
+            </a:solidFill>
+            <a:tailEnd type="triangle"/>
+          </a:ln>
+        </p:spPr>
+        <p:style>
+          <a:lnRef idx="3">
+            <a:schemeClr val="accent1"/>
+          </a:lnRef>
+          <a:fillRef idx="0">
+            <a:schemeClr val="accent1"/>
+          </a:fillRef>
+          <a:effectRef idx="2">
+            <a:schemeClr val="accent1"/>
+          </a:effectRef>
+          <a:fontRef idx="minor">
+            <a:schemeClr val="tx1"/>
+          </a:fontRef>
+        </p:style>
+      </p:cxnSp>
+      <p:cxnSp>
+        <p:nvCxnSpPr>
+          <p:cNvPr id="2259" name="직선 화살표 연결선 2258">
+            <a:extLst>
+              <a:ext uri="{FF2B5EF4-FFF2-40B4-BE49-F238E27FC236}">
+                <a16:creationId xmlns:a16="http://schemas.microsoft.com/office/drawing/2014/main" id="{4F254565-C38B-38DC-AC5F-5AAAA8EF7B62}"/>
+              </a:ext>
+            </a:extLst>
+          </p:cNvPr>
+          <p:cNvCxnSpPr>
+            <a:cxnSpLocks/>
+            <a:stCxn id="2248" idx="3"/>
+            <a:endCxn id="2251" idx="1"/>
+          </p:cNvCxnSpPr>
+          <p:nvPr/>
+        </p:nvCxnSpPr>
+        <p:spPr>
+          <a:xfrm>
+            <a:off x="7863957" y="6000369"/>
+            <a:ext cx="226152" cy="0"/>
+          </a:xfrm>
+          <a:prstGeom prst="straightConnector1">
+            <a:avLst/>
+          </a:prstGeom>
+          <a:ln w="38100">
+            <a:solidFill>
+              <a:schemeClr val="accent4">
+                <a:lumMod val="50000"/>
+              </a:schemeClr>
+            </a:solidFill>
+            <a:tailEnd type="triangle"/>
+          </a:ln>
+        </p:spPr>
+        <p:style>
+          <a:lnRef idx="3">
+            <a:schemeClr val="accent1"/>
+          </a:lnRef>
+          <a:fillRef idx="0">
+            <a:schemeClr val="accent1"/>
+          </a:fillRef>
+          <a:effectRef idx="2">
+            <a:schemeClr val="accent1"/>
+          </a:effectRef>
+          <a:fontRef idx="minor">
+            <a:schemeClr val="tx1"/>
+          </a:fontRef>
+        </p:style>
+      </p:cxnSp>
+      <p:cxnSp>
+        <p:nvCxnSpPr>
+          <p:cNvPr id="2061" name="연결선: 꺾임 2060">
+            <a:extLst>
+              <a:ext uri="{FF2B5EF4-FFF2-40B4-BE49-F238E27FC236}">
+                <a16:creationId xmlns:a16="http://schemas.microsoft.com/office/drawing/2014/main" id="{9CCFFAE1-CF8A-7219-E7A6-2E72766028E4}"/>
+              </a:ext>
+            </a:extLst>
+          </p:cNvPr>
+          <p:cNvCxnSpPr>
+            <a:cxnSpLocks/>
+            <a:stCxn id="2198" idx="2"/>
+            <a:endCxn id="2083" idx="1"/>
+          </p:cNvCxnSpPr>
+          <p:nvPr/>
+        </p:nvCxnSpPr>
+        <p:spPr>
+          <a:xfrm rot="16200000" flipH="1">
+            <a:off x="4106949" y="3019795"/>
+            <a:ext cx="921102" cy="3577766"/>
+          </a:xfrm>
+          <a:prstGeom prst="bentConnector2">
+            <a:avLst/>
+          </a:prstGeom>
+          <a:ln w="38100">
+            <a:solidFill>
+              <a:schemeClr val="accent4">
+                <a:lumMod val="50000"/>
+              </a:schemeClr>
+            </a:solidFill>
+            <a:tailEnd type="none"/>
+          </a:ln>
+        </p:spPr>
+        <p:style>
+          <a:lnRef idx="1">
+            <a:schemeClr val="accent1"/>
+          </a:lnRef>
+          <a:fillRef idx="0">
+            <a:schemeClr val="accent1"/>
+          </a:fillRef>
+          <a:effectRef idx="0">
+            <a:schemeClr val="accent1"/>
+          </a:effectRef>
+          <a:fontRef idx="minor">
+            <a:schemeClr val="tx1"/>
+          </a:fontRef>
+        </p:style>
+      </p:cxnSp>
+      <p:cxnSp>
+        <p:nvCxnSpPr>
+          <p:cNvPr id="2278" name="직선 연결선 2277">
+            <a:extLst>
+              <a:ext uri="{FF2B5EF4-FFF2-40B4-BE49-F238E27FC236}">
+                <a16:creationId xmlns:a16="http://schemas.microsoft.com/office/drawing/2014/main" id="{BE745689-5954-82A0-5C48-CC2A660F3643}"/>
+              </a:ext>
+            </a:extLst>
+          </p:cNvPr>
+          <p:cNvCxnSpPr>
+            <a:cxnSpLocks/>
+            <a:stCxn id="2287" idx="3"/>
+            <a:endCxn id="2152" idx="3"/>
+          </p:cNvCxnSpPr>
+          <p:nvPr/>
+        </p:nvCxnSpPr>
+        <p:spPr>
+          <a:xfrm>
+            <a:off x="9240134" y="1621677"/>
+            <a:ext cx="363636" cy="740980"/>
+          </a:xfrm>
+          <a:prstGeom prst="line">
+            <a:avLst/>
+          </a:prstGeom>
+          <a:ln w="38100">
+            <a:solidFill>
+              <a:schemeClr val="accent4">
+                <a:lumMod val="50000"/>
+              </a:schemeClr>
+            </a:solidFill>
+            <a:tailEnd type="none"/>
+          </a:ln>
+        </p:spPr>
+        <p:style>
+          <a:lnRef idx="1">
+            <a:schemeClr val="accent1"/>
+          </a:lnRef>
+          <a:fillRef idx="0">
+            <a:schemeClr val="accent1"/>
+          </a:fillRef>
+          <a:effectRef idx="0">
+            <a:schemeClr val="accent1"/>
+          </a:effectRef>
+          <a:fontRef idx="minor">
+            <a:schemeClr val="tx1"/>
+          </a:fontRef>
+        </p:style>
+      </p:cxnSp>
+      <p:cxnSp>
+        <p:nvCxnSpPr>
+          <p:cNvPr id="2279" name="직선 연결선 2278">
+            <a:extLst>
+              <a:ext uri="{FF2B5EF4-FFF2-40B4-BE49-F238E27FC236}">
+                <a16:creationId xmlns:a16="http://schemas.microsoft.com/office/drawing/2014/main" id="{E53EEC1B-D71F-4483-F9CB-59214901576B}"/>
+              </a:ext>
+            </a:extLst>
+          </p:cNvPr>
+          <p:cNvCxnSpPr>
+            <a:cxnSpLocks/>
+            <a:stCxn id="2299" idx="3"/>
+            <a:endCxn id="2152" idx="3"/>
+          </p:cNvCxnSpPr>
+          <p:nvPr/>
+        </p:nvCxnSpPr>
+        <p:spPr>
+          <a:xfrm>
+            <a:off x="9242107" y="2360165"/>
+            <a:ext cx="361663" cy="2492"/>
+          </a:xfrm>
+          <a:prstGeom prst="line">
+            <a:avLst/>
+          </a:prstGeom>
+          <a:ln w="38100">
+            <a:solidFill>
+              <a:schemeClr val="accent4">
+                <a:lumMod val="50000"/>
+              </a:schemeClr>
+            </a:solidFill>
+            <a:tailEnd type="none"/>
+          </a:ln>
+        </p:spPr>
+        <p:style>
+          <a:lnRef idx="1">
+            <a:schemeClr val="accent1"/>
+          </a:lnRef>
+          <a:fillRef idx="0">
+            <a:schemeClr val="accent1"/>
+          </a:fillRef>
+          <a:effectRef idx="0">
+            <a:schemeClr val="accent1"/>
+          </a:effectRef>
+          <a:fontRef idx="minor">
+            <a:schemeClr val="tx1"/>
+          </a:fontRef>
+        </p:style>
+      </p:cxnSp>
+      <p:cxnSp>
+        <p:nvCxnSpPr>
+          <p:cNvPr id="2283" name="직선 연결선 2282">
+            <a:extLst>
+              <a:ext uri="{FF2B5EF4-FFF2-40B4-BE49-F238E27FC236}">
+                <a16:creationId xmlns:a16="http://schemas.microsoft.com/office/drawing/2014/main" id="{9E64A642-F9B0-2FA9-8CCA-C4C4864F21D2}"/>
+              </a:ext>
+            </a:extLst>
+          </p:cNvPr>
+          <p:cNvCxnSpPr>
+            <a:cxnSpLocks/>
+            <a:stCxn id="2305" idx="3"/>
+            <a:endCxn id="2152" idx="3"/>
+          </p:cNvCxnSpPr>
+          <p:nvPr/>
+        </p:nvCxnSpPr>
+        <p:spPr>
+          <a:xfrm flipV="1">
+            <a:off x="9242109" y="2362657"/>
+            <a:ext cx="361661" cy="732971"/>
+          </a:xfrm>
+          <a:prstGeom prst="line">
+            <a:avLst/>
+          </a:prstGeom>
+          <a:ln w="38100">
+            <a:solidFill>
+              <a:schemeClr val="accent4">
+                <a:lumMod val="50000"/>
+              </a:schemeClr>
+            </a:solidFill>
+            <a:tailEnd type="none"/>
+          </a:ln>
+        </p:spPr>
+        <p:style>
+          <a:lnRef idx="1">
+            <a:schemeClr val="accent1"/>
+          </a:lnRef>
+          <a:fillRef idx="0">
+            <a:schemeClr val="accent1"/>
+          </a:fillRef>
+          <a:effectRef idx="0">
+            <a:schemeClr val="accent1"/>
+          </a:effectRef>
+          <a:fontRef idx="minor">
+            <a:schemeClr val="tx1"/>
+          </a:fontRef>
+        </p:style>
+      </p:cxnSp>
+      <p:cxnSp>
+        <p:nvCxnSpPr>
+          <p:cNvPr id="2289" name="직선 연결선 2288">
+            <a:extLst>
+              <a:ext uri="{FF2B5EF4-FFF2-40B4-BE49-F238E27FC236}">
+                <a16:creationId xmlns:a16="http://schemas.microsoft.com/office/drawing/2014/main" id="{CAD56CAD-C070-3EC8-8140-F077D3C8CDC9}"/>
+              </a:ext>
+            </a:extLst>
+          </p:cNvPr>
+          <p:cNvCxnSpPr>
+            <a:cxnSpLocks/>
+            <a:stCxn id="2152" idx="1"/>
+            <a:endCxn id="2240" idx="3"/>
+          </p:cNvCxnSpPr>
+          <p:nvPr/>
+        </p:nvCxnSpPr>
+        <p:spPr>
+          <a:xfrm flipH="1">
+            <a:off x="6031249" y="2362657"/>
+            <a:ext cx="325134" cy="1066343"/>
+          </a:xfrm>
+          <a:prstGeom prst="line">
+            <a:avLst/>
+          </a:prstGeom>
+          <a:ln w="38100">
+            <a:solidFill>
+              <a:schemeClr val="accent4">
+                <a:lumMod val="50000"/>
+              </a:schemeClr>
+            </a:solidFill>
+            <a:tailEnd type="none"/>
+          </a:ln>
+        </p:spPr>
+        <p:style>
+          <a:lnRef idx="1">
+            <a:schemeClr val="accent1"/>
+          </a:lnRef>
+          <a:fillRef idx="0">
+            <a:schemeClr val="accent1"/>
+          </a:fillRef>
+          <a:effectRef idx="0">
+            <a:schemeClr val="accent1"/>
+          </a:effectRef>
+          <a:fontRef idx="minor">
+            <a:schemeClr val="tx1"/>
+          </a:fontRef>
+        </p:style>
+      </p:cxnSp>
+      <p:cxnSp>
+        <p:nvCxnSpPr>
+          <p:cNvPr id="2094" name="직선 화살표 연결선 2093">
+            <a:extLst>
+              <a:ext uri="{FF2B5EF4-FFF2-40B4-BE49-F238E27FC236}">
+                <a16:creationId xmlns:a16="http://schemas.microsoft.com/office/drawing/2014/main" id="{996FA529-7667-28DA-80D1-5CCA38A5192E}"/>
+              </a:ext>
+            </a:extLst>
+          </p:cNvPr>
+          <p:cNvCxnSpPr>
+            <a:cxnSpLocks/>
+            <a:stCxn id="2083" idx="1"/>
+            <a:endCxn id="2246" idx="1"/>
+          </p:cNvCxnSpPr>
+          <p:nvPr/>
+        </p:nvCxnSpPr>
+        <p:spPr>
+          <a:xfrm flipV="1">
+            <a:off x="6356383" y="4532303"/>
+            <a:ext cx="355576" cy="736926"/>
+          </a:xfrm>
+          <a:prstGeom prst="straightConnector1">
+            <a:avLst/>
+          </a:prstGeom>
+          <a:ln w="38100">
+            <a:solidFill>
+              <a:schemeClr val="accent4">
+                <a:lumMod val="50000"/>
+              </a:schemeClr>
+            </a:solidFill>
+            <a:tailEnd type="triangle"/>
+          </a:ln>
+        </p:spPr>
+        <p:style>
+          <a:lnRef idx="3">
+            <a:schemeClr val="accent1"/>
+          </a:lnRef>
+          <a:fillRef idx="0">
+            <a:schemeClr val="accent1"/>
+          </a:fillRef>
+          <a:effectRef idx="2">
+            <a:schemeClr val="accent1"/>
+          </a:effectRef>
+          <a:fontRef idx="minor">
+            <a:schemeClr val="tx1"/>
+          </a:fontRef>
+        </p:style>
+      </p:cxnSp>
+      <p:cxnSp>
+        <p:nvCxnSpPr>
+          <p:cNvPr id="2097" name="직선 화살표 연결선 2096">
+            <a:extLst>
+              <a:ext uri="{FF2B5EF4-FFF2-40B4-BE49-F238E27FC236}">
+                <a16:creationId xmlns:a16="http://schemas.microsoft.com/office/drawing/2014/main" id="{2C63E087-C19A-386D-CD00-0C18923C7633}"/>
+              </a:ext>
+            </a:extLst>
+          </p:cNvPr>
+          <p:cNvCxnSpPr>
+            <a:cxnSpLocks/>
+            <a:stCxn id="2083" idx="1"/>
+            <a:endCxn id="2247" idx="1"/>
+          </p:cNvCxnSpPr>
+          <p:nvPr/>
+        </p:nvCxnSpPr>
+        <p:spPr>
+          <a:xfrm flipV="1">
+            <a:off x="6356383" y="5266336"/>
+            <a:ext cx="355574" cy="2893"/>
+          </a:xfrm>
+          <a:prstGeom prst="straightConnector1">
+            <a:avLst/>
+          </a:prstGeom>
+          <a:ln w="38100">
+            <a:solidFill>
+              <a:schemeClr val="accent4">
+                <a:lumMod val="50000"/>
+              </a:schemeClr>
+            </a:solidFill>
+            <a:tailEnd type="triangle"/>
+          </a:ln>
+        </p:spPr>
+        <p:style>
+          <a:lnRef idx="3">
+            <a:schemeClr val="accent1"/>
+          </a:lnRef>
+          <a:fillRef idx="0">
+            <a:schemeClr val="accent1"/>
+          </a:fillRef>
+          <a:effectRef idx="2">
+            <a:schemeClr val="accent1"/>
+          </a:effectRef>
+          <a:fontRef idx="minor">
+            <a:schemeClr val="tx1"/>
+          </a:fontRef>
+        </p:style>
+      </p:cxnSp>
+      <p:cxnSp>
+        <p:nvCxnSpPr>
+          <p:cNvPr id="2100" name="직선 화살표 연결선 2099">
+            <a:extLst>
+              <a:ext uri="{FF2B5EF4-FFF2-40B4-BE49-F238E27FC236}">
+                <a16:creationId xmlns:a16="http://schemas.microsoft.com/office/drawing/2014/main" id="{55C29729-2EB6-97F5-9FB1-20694A9FD035}"/>
+              </a:ext>
+            </a:extLst>
+          </p:cNvPr>
+          <p:cNvCxnSpPr>
+            <a:cxnSpLocks/>
+            <a:stCxn id="2083" idx="1"/>
+            <a:endCxn id="2248" idx="1"/>
+          </p:cNvCxnSpPr>
+          <p:nvPr/>
+        </p:nvCxnSpPr>
+        <p:spPr>
+          <a:xfrm>
+            <a:off x="6356383" y="5269229"/>
+            <a:ext cx="355574" cy="731140"/>
+          </a:xfrm>
+          <a:prstGeom prst="straightConnector1">
+            <a:avLst/>
+          </a:prstGeom>
+          <a:ln w="38100">
+            <a:solidFill>
+              <a:schemeClr val="accent4">
+                <a:lumMod val="50000"/>
+              </a:schemeClr>
+            </a:solidFill>
+            <a:tailEnd type="triangle"/>
+          </a:ln>
+        </p:spPr>
+        <p:style>
+          <a:lnRef idx="3">
+            <a:schemeClr val="accent1"/>
+          </a:lnRef>
+          <a:fillRef idx="0">
+            <a:schemeClr val="accent1"/>
+          </a:fillRef>
+          <a:effectRef idx="2">
+            <a:schemeClr val="accent1"/>
+          </a:effectRef>
+          <a:fontRef idx="minor">
+            <a:schemeClr val="tx1"/>
+          </a:fontRef>
+        </p:style>
+      </p:cxnSp>
+      <p:cxnSp>
+        <p:nvCxnSpPr>
+          <p:cNvPr id="2103" name="직선 연결선 2102">
+            <a:extLst>
+              <a:ext uri="{FF2B5EF4-FFF2-40B4-BE49-F238E27FC236}">
+                <a16:creationId xmlns:a16="http://schemas.microsoft.com/office/drawing/2014/main" id="{735E9225-D35F-4439-366D-A53C2ECDD5E1}"/>
+              </a:ext>
+            </a:extLst>
+          </p:cNvPr>
+          <p:cNvCxnSpPr>
+            <a:cxnSpLocks/>
+            <a:stCxn id="2249" idx="3"/>
+            <a:endCxn id="2083" idx="3"/>
+          </p:cNvCxnSpPr>
+          <p:nvPr/>
+        </p:nvCxnSpPr>
+        <p:spPr>
+          <a:xfrm>
+            <a:off x="9242109" y="4532303"/>
+            <a:ext cx="361661" cy="736926"/>
+          </a:xfrm>
+          <a:prstGeom prst="line">
+            <a:avLst/>
+          </a:prstGeom>
+          <a:ln w="38100">
+            <a:solidFill>
+              <a:schemeClr val="accent4">
+                <a:lumMod val="50000"/>
+              </a:schemeClr>
+            </a:solidFill>
+            <a:tailEnd type="none"/>
+          </a:ln>
+        </p:spPr>
+        <p:style>
+          <a:lnRef idx="1">
+            <a:schemeClr val="accent1"/>
+          </a:lnRef>
+          <a:fillRef idx="0">
+            <a:schemeClr val="accent1"/>
+          </a:fillRef>
+          <a:effectRef idx="0">
+            <a:schemeClr val="accent1"/>
+          </a:effectRef>
+          <a:fontRef idx="minor">
+            <a:schemeClr val="tx1"/>
+          </a:fontRef>
+        </p:style>
+      </p:cxnSp>
+      <p:cxnSp>
+        <p:nvCxnSpPr>
+          <p:cNvPr id="2107" name="직선 연결선 2106">
+            <a:extLst>
+              <a:ext uri="{FF2B5EF4-FFF2-40B4-BE49-F238E27FC236}">
+                <a16:creationId xmlns:a16="http://schemas.microsoft.com/office/drawing/2014/main" id="{908EC88B-68FF-7B3B-1E19-5E605EDF94BC}"/>
+              </a:ext>
+            </a:extLst>
+          </p:cNvPr>
+          <p:cNvCxnSpPr>
+            <a:cxnSpLocks/>
+            <a:stCxn id="2250" idx="3"/>
+            <a:endCxn id="2083" idx="3"/>
+          </p:cNvCxnSpPr>
+          <p:nvPr/>
+        </p:nvCxnSpPr>
+        <p:spPr>
+          <a:xfrm>
+            <a:off x="9242109" y="5269228"/>
+            <a:ext cx="361661" cy="1"/>
+          </a:xfrm>
+          <a:prstGeom prst="line">
+            <a:avLst/>
+          </a:prstGeom>
+          <a:ln w="38100">
+            <a:solidFill>
+              <a:schemeClr val="accent4">
+                <a:lumMod val="50000"/>
+              </a:schemeClr>
+            </a:solidFill>
+            <a:tailEnd type="none"/>
+          </a:ln>
+        </p:spPr>
+        <p:style>
+          <a:lnRef idx="1">
+            <a:schemeClr val="accent1"/>
+          </a:lnRef>
+          <a:fillRef idx="0">
+            <a:schemeClr val="accent1"/>
+          </a:fillRef>
+          <a:effectRef idx="0">
+            <a:schemeClr val="accent1"/>
+          </a:effectRef>
+          <a:fontRef idx="minor">
+            <a:schemeClr val="tx1"/>
+          </a:fontRef>
+        </p:style>
+      </p:cxnSp>
+      <p:cxnSp>
+        <p:nvCxnSpPr>
+          <p:cNvPr id="2110" name="직선 연결선 2109">
+            <a:extLst>
+              <a:ext uri="{FF2B5EF4-FFF2-40B4-BE49-F238E27FC236}">
+                <a16:creationId xmlns:a16="http://schemas.microsoft.com/office/drawing/2014/main" id="{606916B3-F83C-6DC2-9AFC-89D76073C012}"/>
+              </a:ext>
+            </a:extLst>
+          </p:cNvPr>
+          <p:cNvCxnSpPr>
+            <a:cxnSpLocks/>
+            <a:stCxn id="2251" idx="3"/>
+            <a:endCxn id="2083" idx="3"/>
+          </p:cNvCxnSpPr>
+          <p:nvPr/>
+        </p:nvCxnSpPr>
+        <p:spPr>
+          <a:xfrm flipV="1">
+            <a:off x="9242109" y="5269229"/>
+            <a:ext cx="361661" cy="731140"/>
+          </a:xfrm>
+          <a:prstGeom prst="line">
+            <a:avLst/>
+          </a:prstGeom>
+          <a:ln w="38100">
+            <a:solidFill>
+              <a:schemeClr val="accent4">
+                <a:lumMod val="50000"/>
+              </a:schemeClr>
+            </a:solidFill>
+            <a:tailEnd type="none"/>
+          </a:ln>
+        </p:spPr>
+        <p:style>
+          <a:lnRef idx="1">
+            <a:schemeClr val="accent1"/>
+          </a:lnRef>
+          <a:fillRef idx="0">
+            <a:schemeClr val="accent1"/>
+          </a:fillRef>
+          <a:effectRef idx="0">
+            <a:schemeClr val="accent1"/>
+          </a:effectRef>
+          <a:fontRef idx="minor">
+            <a:schemeClr val="tx1"/>
+          </a:fontRef>
+        </p:style>
+      </p:cxnSp>
+      <p:cxnSp>
+        <p:nvCxnSpPr>
+          <p:cNvPr id="2307" name="직선 화살표 연결선 2306">
+            <a:extLst>
+              <a:ext uri="{FF2B5EF4-FFF2-40B4-BE49-F238E27FC236}">
+                <a16:creationId xmlns:a16="http://schemas.microsoft.com/office/drawing/2014/main" id="{D119A50C-E96C-E68E-BD23-407DCF6B0598}"/>
+              </a:ext>
+            </a:extLst>
+          </p:cNvPr>
+          <p:cNvCxnSpPr>
+            <a:cxnSpLocks/>
+            <a:stCxn id="2083" idx="3"/>
+            <a:endCxn id="2310" idx="1"/>
+          </p:cNvCxnSpPr>
+          <p:nvPr/>
+        </p:nvCxnSpPr>
+        <p:spPr>
+          <a:xfrm flipV="1">
+            <a:off x="9603770" y="3429000"/>
+            <a:ext cx="326753" cy="1840229"/>
+          </a:xfrm>
+          <a:prstGeom prst="straightConnector1">
+            <a:avLst/>
+          </a:prstGeom>
+          <a:ln w="38100">
+            <a:solidFill>
+              <a:schemeClr val="accent4">
+                <a:lumMod val="50000"/>
+              </a:schemeClr>
+            </a:solidFill>
+            <a:tailEnd type="triangle"/>
+          </a:ln>
+        </p:spPr>
+        <p:style>
+          <a:lnRef idx="3">
+            <a:schemeClr val="accent1"/>
+          </a:lnRef>
+          <a:fillRef idx="0">
+            <a:schemeClr val="accent1"/>
+          </a:fillRef>
+          <a:effectRef idx="2">
+            <a:schemeClr val="accent1"/>
+          </a:effectRef>
+          <a:fontRef idx="minor">
+            <a:schemeClr val="tx1"/>
+          </a:fontRef>
+        </p:style>
+      </p:cxnSp>
+      <p:sp>
+        <p:nvSpPr>
+          <p:cNvPr id="2326" name="TextBox 2325">
+            <a:extLst>
+              <a:ext uri="{FF2B5EF4-FFF2-40B4-BE49-F238E27FC236}">
+                <a16:creationId xmlns:a16="http://schemas.microsoft.com/office/drawing/2014/main" id="{BA97225F-7ECF-5B8B-A2E8-AB10FFEA9A62}"/>
+              </a:ext>
+            </a:extLst>
+          </p:cNvPr>
+          <p:cNvSpPr txBox="1"/>
+          <p:nvPr/>
+        </p:nvSpPr>
+        <p:spPr>
+          <a:xfrm>
+            <a:off x="7717798" y="3704961"/>
+            <a:ext cx="516487" cy="369332"/>
+          </a:xfrm>
+          <a:prstGeom prst="rect">
+            <a:avLst/>
+          </a:prstGeom>
+          <a:noFill/>
+        </p:spPr>
+        <p:txBody>
+          <a:bodyPr wrap="square" rtlCol="0">
+            <a:spAutoFit/>
+          </a:bodyPr>
+          <a:lstStyle/>
+          <a:p>
+            <a:pPr algn="ctr"/>
+            <a:r>
+              <a:rPr lang="en-US" altLang="ko-KR" dirty="0">
+                <a:latin typeface="KoPubWorld돋움체 Medium" panose="00000600000000000000" pitchFamily="2" charset="-127"/>
+                <a:ea typeface="KoPubWorld돋움체 Medium" panose="00000600000000000000" pitchFamily="2" charset="-127"/>
+                <a:cs typeface="KoPubWorld돋움체 Medium" panose="00000600000000000000" pitchFamily="2" charset="-127"/>
+              </a:rPr>
+              <a:t>1</a:t>
+            </a:r>
+            <a:r>
+              <a:rPr lang="ko-KR" altLang="en-US" dirty="0">
+                <a:latin typeface="KoPubWorld돋움체 Medium" panose="00000600000000000000" pitchFamily="2" charset="-127"/>
+                <a:ea typeface="KoPubWorld돋움체 Medium" panose="00000600000000000000" pitchFamily="2" charset="-127"/>
+                <a:cs typeface="KoPubWorld돋움체 Medium" panose="00000600000000000000" pitchFamily="2" charset="-127"/>
+              </a:rPr>
+              <a:t>회</a:t>
+            </a:r>
+            <a:endParaRPr lang="en-US" altLang="ko-KR" dirty="0">
+              <a:latin typeface="KoPubWorld돋움체 Medium" panose="00000600000000000000" pitchFamily="2" charset="-127"/>
+              <a:ea typeface="KoPubWorld돋움체 Medium" panose="00000600000000000000" pitchFamily="2" charset="-127"/>
+              <a:cs typeface="KoPubWorld돋움체 Medium" panose="00000600000000000000" pitchFamily="2" charset="-127"/>
+            </a:endParaRPr>
+          </a:p>
+        </p:txBody>
+      </p:sp>
+      <p:sp>
+        <p:nvSpPr>
+          <p:cNvPr id="2083" name="직사각형 2082">
+            <a:extLst>
+              <a:ext uri="{FF2B5EF4-FFF2-40B4-BE49-F238E27FC236}">
+                <a16:creationId xmlns:a16="http://schemas.microsoft.com/office/drawing/2014/main" id="{A470D24E-1B22-C5B7-A1DE-662C270B1C36}"/>
+              </a:ext>
+            </a:extLst>
+          </p:cNvPr>
+          <p:cNvSpPr/>
+          <p:nvPr/>
+        </p:nvSpPr>
+        <p:spPr>
+          <a:xfrm>
+            <a:off x="6356383" y="4074293"/>
+            <a:ext cx="3247387" cy="2389872"/>
+          </a:xfrm>
+          <a:prstGeom prst="rect">
+            <a:avLst/>
+          </a:prstGeom>
+          <a:noFill/>
+          <a:ln w="28575">
+            <a:solidFill>
+              <a:srgbClr val="B4B4B4"/>
+            </a:solidFill>
+          </a:ln>
+        </p:spPr>
+        <p:style>
+          <a:lnRef idx="2">
+            <a:schemeClr val="accent1">
+              <a:shade val="50000"/>
+            </a:schemeClr>
+          </a:lnRef>
+          <a:fillRef idx="1">
+            <a:schemeClr val="accent1"/>
+          </a:fillRef>
+          <a:effectRef idx="0">
+            <a:schemeClr val="accent1"/>
+          </a:effectRef>
+          <a:fontRef idx="minor">
+            <a:schemeClr val="lt1"/>
+          </a:fontRef>
+        </p:style>
+        <p:txBody>
+          <a:bodyPr rtlCol="0" anchor="ctr"/>
+          <a:lstStyle/>
+          <a:p>
+            <a:pPr algn="ctr"/>
+            <a:endParaRPr lang="ko-KR" altLang="en-US"/>
+          </a:p>
+        </p:txBody>
+      </p:sp>
+      <p:sp>
+        <p:nvSpPr>
           <p:cNvPr id="2240" name="사각형: 둥근 모서리 2239">
             <a:extLst>
               <a:ext uri="{FF2B5EF4-FFF2-40B4-BE49-F238E27FC236}">
@@ -8877,7 +10110,7 @@
         </p:nvSpPr>
         <p:spPr>
           <a:xfrm>
-            <a:off x="4202761" y="2731707"/>
+            <a:off x="4137786" y="2509873"/>
             <a:ext cx="1893463" cy="1838254"/>
           </a:xfrm>
           <a:prstGeom prst="roundRect">
@@ -8977,12 +10210,60 @@
           </a:p>
         </p:txBody>
       </p:sp>
+      <p:cxnSp>
+        <p:nvCxnSpPr>
+          <p:cNvPr id="2075" name="직선 화살표 연결선 2074">
+            <a:extLst>
+              <a:ext uri="{FF2B5EF4-FFF2-40B4-BE49-F238E27FC236}">
+                <a16:creationId xmlns:a16="http://schemas.microsoft.com/office/drawing/2014/main" id="{ADD97643-1082-FB0D-B89C-6590DF8C02E0}"/>
+              </a:ext>
+            </a:extLst>
+          </p:cNvPr>
+          <p:cNvCxnSpPr>
+            <a:cxnSpLocks/>
+            <a:stCxn id="2152" idx="3"/>
+            <a:endCxn id="2310" idx="1"/>
+          </p:cNvCxnSpPr>
+          <p:nvPr/>
+        </p:nvCxnSpPr>
+        <p:spPr>
+          <a:xfrm>
+            <a:off x="9603770" y="2362657"/>
+            <a:ext cx="326753" cy="1066343"/>
+          </a:xfrm>
+          <a:prstGeom prst="straightConnector1">
+            <a:avLst/>
+          </a:prstGeom>
+          <a:ln w="38100">
+            <a:solidFill>
+              <a:schemeClr val="accent4">
+                <a:lumMod val="50000"/>
+              </a:schemeClr>
+            </a:solidFill>
+            <a:tailEnd type="triangle"/>
+          </a:ln>
+        </p:spPr>
+        <p:style>
+          <a:lnRef idx="3">
+            <a:schemeClr val="accent1"/>
+          </a:lnRef>
+          <a:fillRef idx="0">
+            <a:schemeClr val="accent1"/>
+          </a:fillRef>
+          <a:effectRef idx="2">
+            <a:schemeClr val="accent1"/>
+          </a:effectRef>
+          <a:fontRef idx="minor">
+            <a:schemeClr val="tx1"/>
+          </a:fontRef>
+        </p:style>
+      </p:cxnSp>
       <p:sp>
         <p:nvSpPr>
-          <p:cNvPr id="2257" name="사각형: 둥근 모서리 2256">
+          <p:cNvPr id="2152" name="직사각형 2151">
             <a:extLst>
               <a:ext uri="{FF2B5EF4-FFF2-40B4-BE49-F238E27FC236}">
-                <a16:creationId xmlns:a16="http://schemas.microsoft.com/office/drawing/2014/main" id="{3DA822D9-BE7B-898C-1524-1ADE04739091}"/>
+                <a16:creationId xmlns:a16="http://schemas.microsoft.com/office/drawing/2014/main" id="{C8D52EB3-737A-6B88-C68D-E878126CF43E}"/>
               </a:ext>
             </a:extLst>
           </p:cNvPr>
@@ -8991,14 +10272,66 @@
         </p:nvSpPr>
         <p:spPr>
           <a:xfrm>
-            <a:off x="310896" y="3213890"/>
-            <a:ext cx="1228073" cy="873888"/>
+            <a:off x="6356383" y="1167720"/>
+            <a:ext cx="3247387" cy="2389873"/>
+          </a:xfrm>
+          <a:prstGeom prst="rect">
+            <a:avLst/>
+          </a:prstGeom>
+          <a:noFill/>
+          <a:ln w="28575">
+            <a:solidFill>
+              <a:srgbClr val="B4B4B4"/>
+            </a:solidFill>
+          </a:ln>
+        </p:spPr>
+        <p:style>
+          <a:lnRef idx="2">
+            <a:schemeClr val="accent1">
+              <a:shade val="50000"/>
+            </a:schemeClr>
+          </a:lnRef>
+          <a:fillRef idx="1">
+            <a:schemeClr val="accent1"/>
+          </a:fillRef>
+          <a:effectRef idx="0">
+            <a:schemeClr val="accent1"/>
+          </a:effectRef>
+          <a:fontRef idx="minor">
+            <a:schemeClr val="lt1"/>
+          </a:fontRef>
+        </p:style>
+        <p:txBody>
+          <a:bodyPr rtlCol="0" anchor="ctr"/>
+          <a:lstStyle/>
+          <a:p>
+            <a:pPr algn="ctr"/>
+            <a:endParaRPr lang="ko-KR" altLang="en-US"/>
+          </a:p>
+        </p:txBody>
+      </p:sp>
+      <p:sp>
+        <p:nvSpPr>
+          <p:cNvPr id="2287" name="사각형: 둥근 모서리 2286">
+            <a:extLst>
+              <a:ext uri="{FF2B5EF4-FFF2-40B4-BE49-F238E27FC236}">
+                <a16:creationId xmlns:a16="http://schemas.microsoft.com/office/drawing/2014/main" id="{7073A087-3693-DE8B-F45F-B8E0CB125F86}"/>
+              </a:ext>
+            </a:extLst>
+          </p:cNvPr>
+          <p:cNvSpPr/>
+          <p:nvPr/>
+        </p:nvSpPr>
+        <p:spPr>
+          <a:xfrm>
+            <a:off x="8088134" y="1297677"/>
+            <a:ext cx="1152000" cy="648000"/>
           </a:xfrm>
           <a:prstGeom prst="roundRect">
             <a:avLst/>
           </a:prstGeom>
           <a:solidFill>
-            <a:srgbClr val="8DC63F"/>
+            <a:srgbClr val="C1E8AC"/>
           </a:solidFill>
           <a:ln>
             <a:noFill/>
@@ -9034,17 +10367,22 @@
                 <a:ea typeface="KoPubWorld돋움체 Medium" panose="00000600000000000000" pitchFamily="2" charset="-127"/>
                 <a:cs typeface="KoPubWorld돋움체 Medium" panose="00000600000000000000" pitchFamily="2" charset="-127"/>
               </a:rPr>
-              <a:t>한글 필기</a:t>
-            </a:r>
+              <a:t>인식</a:t>
+            </a:r>
+            <a:endParaRPr lang="ko-KR" altLang="en-US" dirty="0">
+              <a:solidFill>
+                <a:schemeClr val="tx1"/>
+              </a:solidFill>
+            </a:endParaRPr>
           </a:p>
         </p:txBody>
       </p:sp>
       <p:sp>
         <p:nvSpPr>
-          <p:cNvPr id="2261" name="사각형: 둥근 모서리 2260">
+          <p:cNvPr id="2305" name="사각형: 둥근 모서리 2304">
             <a:extLst>
               <a:ext uri="{FF2B5EF4-FFF2-40B4-BE49-F238E27FC236}">
-                <a16:creationId xmlns:a16="http://schemas.microsoft.com/office/drawing/2014/main" id="{9FD60A6B-5141-A561-3A02-CA09C9739757}"/>
+                <a16:creationId xmlns:a16="http://schemas.microsoft.com/office/drawing/2014/main" id="{8FDD883C-F1D8-A303-8DF3-33239D82C5F5}"/>
               </a:ext>
             </a:extLst>
           </p:cNvPr>
@@ -9053,14 +10391,14 @@
         </p:nvSpPr>
         <p:spPr>
           <a:xfrm>
-            <a:off x="6676172" y="1706783"/>
-            <a:ext cx="1292513" cy="1024929"/>
+            <a:off x="8090109" y="2771628"/>
+            <a:ext cx="1152000" cy="648000"/>
           </a:xfrm>
           <a:prstGeom prst="roundRect">
             <a:avLst/>
           </a:prstGeom>
           <a:solidFill>
-            <a:srgbClr val="8DC63F"/>
+            <a:srgbClr val="C1E8AC"/>
           </a:solidFill>
           <a:ln>
             <a:noFill/>
@@ -9096,17 +10434,22 @@
                 <a:ea typeface="KoPubWorld돋움체 Medium" panose="00000600000000000000" pitchFamily="2" charset="-127"/>
                 <a:cs typeface="KoPubWorld돋움체 Medium" panose="00000600000000000000" pitchFamily="2" charset="-127"/>
               </a:rPr>
-              <a:t>초성 후보</a:t>
-            </a:r>
+              <a:t>인식</a:t>
+            </a:r>
+            <a:endParaRPr lang="ko-KR" altLang="en-US" dirty="0">
+              <a:solidFill>
+                <a:schemeClr val="tx1"/>
+              </a:solidFill>
+            </a:endParaRPr>
           </a:p>
         </p:txBody>
       </p:sp>
       <p:sp>
         <p:nvSpPr>
-          <p:cNvPr id="2268" name="사각형: 둥근 모서리 2267">
+          <p:cNvPr id="2249" name="사각형: 둥근 모서리 2248">
             <a:extLst>
               <a:ext uri="{FF2B5EF4-FFF2-40B4-BE49-F238E27FC236}">
-                <a16:creationId xmlns:a16="http://schemas.microsoft.com/office/drawing/2014/main" id="{7F92F109-4862-CB4B-33DD-DAD570BAFDDC}"/>
+                <a16:creationId xmlns:a16="http://schemas.microsoft.com/office/drawing/2014/main" id="{0E0727E1-0847-3466-7EFF-2DB033672D9F}"/>
               </a:ext>
             </a:extLst>
           </p:cNvPr>
@@ -9115,14 +10458,14 @@
         </p:nvSpPr>
         <p:spPr>
           <a:xfrm>
-            <a:off x="6680732" y="3134210"/>
-            <a:ext cx="1287953" cy="1024929"/>
+            <a:off x="8090109" y="4208303"/>
+            <a:ext cx="1152000" cy="648000"/>
           </a:xfrm>
           <a:prstGeom prst="roundRect">
             <a:avLst/>
           </a:prstGeom>
           <a:solidFill>
-            <a:srgbClr val="8DC63F"/>
+            <a:srgbClr val="C1E8AC"/>
           </a:solidFill>
           <a:ln>
             <a:noFill/>
@@ -9158,17 +10501,22 @@
                 <a:ea typeface="KoPubWorld돋움체 Medium" panose="00000600000000000000" pitchFamily="2" charset="-127"/>
                 <a:cs typeface="KoPubWorld돋움체 Medium" panose="00000600000000000000" pitchFamily="2" charset="-127"/>
               </a:rPr>
-              <a:t>중성 후보</a:t>
-            </a:r>
+              <a:t>인식</a:t>
+            </a:r>
+            <a:endParaRPr lang="ko-KR" altLang="en-US" dirty="0">
+              <a:solidFill>
+                <a:schemeClr val="tx1"/>
+              </a:solidFill>
+            </a:endParaRPr>
           </a:p>
         </p:txBody>
       </p:sp>
       <p:sp>
         <p:nvSpPr>
-          <p:cNvPr id="2280" name="사각형: 둥근 모서리 2279">
+          <p:cNvPr id="2251" name="사각형: 둥근 모서리 2250">
             <a:extLst>
               <a:ext uri="{FF2B5EF4-FFF2-40B4-BE49-F238E27FC236}">
-                <a16:creationId xmlns:a16="http://schemas.microsoft.com/office/drawing/2014/main" id="{08E63211-AB20-8482-D5F0-A22216AA76E3}"/>
+                <a16:creationId xmlns:a16="http://schemas.microsoft.com/office/drawing/2014/main" id="{B8B6917E-3D35-F422-7E27-EEA8A4C09482}"/>
               </a:ext>
             </a:extLst>
           </p:cNvPr>
@@ -9177,14 +10525,14 @@
         </p:nvSpPr>
         <p:spPr>
           <a:xfrm>
-            <a:off x="6676172" y="4569980"/>
-            <a:ext cx="1287953" cy="1024930"/>
+            <a:off x="8090109" y="5676369"/>
+            <a:ext cx="1152000" cy="648000"/>
           </a:xfrm>
           <a:prstGeom prst="roundRect">
             <a:avLst/>
           </a:prstGeom>
           <a:solidFill>
-            <a:srgbClr val="8DC63F"/>
+            <a:srgbClr val="C1E8AC"/>
           </a:solidFill>
           <a:ln>
             <a:noFill/>
@@ -9220,202 +10568,6 @@
                 <a:ea typeface="KoPubWorld돋움체 Medium" panose="00000600000000000000" pitchFamily="2" charset="-127"/>
                 <a:cs typeface="KoPubWorld돋움체 Medium" panose="00000600000000000000" pitchFamily="2" charset="-127"/>
               </a:rPr>
-              <a:t>종성 후보</a:t>
-            </a:r>
-          </a:p>
-        </p:txBody>
-      </p:sp>
-      <p:sp>
-        <p:nvSpPr>
-          <p:cNvPr id="2287" name="사각형: 둥근 모서리 2286">
-            <a:extLst>
-              <a:ext uri="{FF2B5EF4-FFF2-40B4-BE49-F238E27FC236}">
-                <a16:creationId xmlns:a16="http://schemas.microsoft.com/office/drawing/2014/main" id="{7073A087-3693-DE8B-F45F-B8E0CB125F86}"/>
-              </a:ext>
-            </a:extLst>
-          </p:cNvPr>
-          <p:cNvSpPr/>
-          <p:nvPr/>
-        </p:nvSpPr>
-        <p:spPr>
-          <a:xfrm>
-            <a:off x="8285716" y="1706783"/>
-            <a:ext cx="1026714" cy="1024930"/>
-          </a:xfrm>
-          <a:prstGeom prst="roundRect">
-            <a:avLst/>
-          </a:prstGeom>
-          <a:solidFill>
-            <a:srgbClr val="8DC63F"/>
-          </a:solidFill>
-          <a:ln>
-            <a:noFill/>
-          </a:ln>
-        </p:spPr>
-        <p:style>
-          <a:lnRef idx="2">
-            <a:schemeClr val="accent1">
-              <a:shade val="50000"/>
-            </a:schemeClr>
-          </a:lnRef>
-          <a:fillRef idx="1">
-            <a:schemeClr val="accent1"/>
-          </a:fillRef>
-          <a:effectRef idx="0">
-            <a:schemeClr val="accent1"/>
-          </a:effectRef>
-          <a:fontRef idx="minor">
-            <a:schemeClr val="lt1"/>
-          </a:fontRef>
-        </p:style>
-        <p:txBody>
-          <a:bodyPr rtlCol="0" anchor="ctr"/>
-          <a:lstStyle/>
-          <a:p>
-            <a:pPr algn="ctr"/>
-            <a:r>
-              <a:rPr lang="ko-KR" altLang="en-US" dirty="0">
-                <a:solidFill>
-                  <a:schemeClr val="tx1"/>
-                </a:solidFill>
-                <a:latin typeface="KoPubWorld돋움체 Medium" panose="00000600000000000000" pitchFamily="2" charset="-127"/>
-                <a:ea typeface="KoPubWorld돋움체 Medium" panose="00000600000000000000" pitchFamily="2" charset="-127"/>
-                <a:cs typeface="KoPubWorld돋움체 Medium" panose="00000600000000000000" pitchFamily="2" charset="-127"/>
-              </a:rPr>
-              <a:t>인식</a:t>
-            </a:r>
-            <a:endParaRPr lang="ko-KR" altLang="en-US" dirty="0">
-              <a:solidFill>
-                <a:schemeClr val="tx1"/>
-              </a:solidFill>
-            </a:endParaRPr>
-          </a:p>
-        </p:txBody>
-      </p:sp>
-      <p:sp>
-        <p:nvSpPr>
-          <p:cNvPr id="2299" name="사각형: 둥근 모서리 2298">
-            <a:extLst>
-              <a:ext uri="{FF2B5EF4-FFF2-40B4-BE49-F238E27FC236}">
-                <a16:creationId xmlns:a16="http://schemas.microsoft.com/office/drawing/2014/main" id="{B0B74836-F139-3D61-A19F-56B9083A7085}"/>
-              </a:ext>
-            </a:extLst>
-          </p:cNvPr>
-          <p:cNvSpPr/>
-          <p:nvPr/>
-        </p:nvSpPr>
-        <p:spPr>
-          <a:xfrm>
-            <a:off x="8285716" y="3138382"/>
-            <a:ext cx="1026714" cy="1024930"/>
-          </a:xfrm>
-          <a:prstGeom prst="roundRect">
-            <a:avLst/>
-          </a:prstGeom>
-          <a:solidFill>
-            <a:srgbClr val="8DC63F"/>
-          </a:solidFill>
-          <a:ln>
-            <a:noFill/>
-          </a:ln>
-        </p:spPr>
-        <p:style>
-          <a:lnRef idx="2">
-            <a:schemeClr val="accent1">
-              <a:shade val="50000"/>
-            </a:schemeClr>
-          </a:lnRef>
-          <a:fillRef idx="1">
-            <a:schemeClr val="accent1"/>
-          </a:fillRef>
-          <a:effectRef idx="0">
-            <a:schemeClr val="accent1"/>
-          </a:effectRef>
-          <a:fontRef idx="minor">
-            <a:schemeClr val="lt1"/>
-          </a:fontRef>
-        </p:style>
-        <p:txBody>
-          <a:bodyPr rtlCol="0" anchor="ctr"/>
-          <a:lstStyle/>
-          <a:p>
-            <a:pPr algn="ctr"/>
-            <a:r>
-              <a:rPr lang="ko-KR" altLang="en-US" dirty="0">
-                <a:solidFill>
-                  <a:schemeClr val="tx1"/>
-                </a:solidFill>
-                <a:latin typeface="KoPubWorld돋움체 Medium" panose="00000600000000000000" pitchFamily="2" charset="-127"/>
-                <a:ea typeface="KoPubWorld돋움체 Medium" panose="00000600000000000000" pitchFamily="2" charset="-127"/>
-                <a:cs typeface="KoPubWorld돋움체 Medium" panose="00000600000000000000" pitchFamily="2" charset="-127"/>
-              </a:rPr>
-              <a:t>인식</a:t>
-            </a:r>
-            <a:endParaRPr lang="ko-KR" altLang="en-US" dirty="0">
-              <a:solidFill>
-                <a:schemeClr val="tx1"/>
-              </a:solidFill>
-            </a:endParaRPr>
-          </a:p>
-        </p:txBody>
-      </p:sp>
-      <p:sp>
-        <p:nvSpPr>
-          <p:cNvPr id="2305" name="사각형: 둥근 모서리 2304">
-            <a:extLst>
-              <a:ext uri="{FF2B5EF4-FFF2-40B4-BE49-F238E27FC236}">
-                <a16:creationId xmlns:a16="http://schemas.microsoft.com/office/drawing/2014/main" id="{8FDD883C-F1D8-A303-8DF3-33239D82C5F5}"/>
-              </a:ext>
-            </a:extLst>
-          </p:cNvPr>
-          <p:cNvSpPr/>
-          <p:nvPr/>
-        </p:nvSpPr>
-        <p:spPr>
-          <a:xfrm>
-            <a:off x="8281156" y="4565808"/>
-            <a:ext cx="1026714" cy="1024930"/>
-          </a:xfrm>
-          <a:prstGeom prst="roundRect">
-            <a:avLst/>
-          </a:prstGeom>
-          <a:solidFill>
-            <a:srgbClr val="8DC63F"/>
-          </a:solidFill>
-          <a:ln>
-            <a:noFill/>
-          </a:ln>
-        </p:spPr>
-        <p:style>
-          <a:lnRef idx="2">
-            <a:schemeClr val="accent1">
-              <a:shade val="50000"/>
-            </a:schemeClr>
-          </a:lnRef>
-          <a:fillRef idx="1">
-            <a:schemeClr val="accent1"/>
-          </a:fillRef>
-          <a:effectRef idx="0">
-            <a:schemeClr val="accent1"/>
-          </a:effectRef>
-          <a:fontRef idx="minor">
-            <a:schemeClr val="lt1"/>
-          </a:fontRef>
-        </p:style>
-        <p:txBody>
-          <a:bodyPr rtlCol="0" anchor="ctr"/>
-          <a:lstStyle/>
-          <a:p>
-            <a:pPr algn="ctr"/>
-            <a:r>
-              <a:rPr lang="ko-KR" altLang="en-US" dirty="0">
-                <a:solidFill>
-                  <a:schemeClr val="tx1"/>
-                </a:solidFill>
-                <a:latin typeface="KoPubWorld돋움체 Medium" panose="00000600000000000000" pitchFamily="2" charset="-127"/>
-                <a:ea typeface="KoPubWorld돋움체 Medium" panose="00000600000000000000" pitchFamily="2" charset="-127"/>
-                <a:cs typeface="KoPubWorld돋움체 Medium" panose="00000600000000000000" pitchFamily="2" charset="-127"/>
-              </a:rPr>
               <a:t>인식</a:t>
             </a:r>
             <a:endParaRPr lang="ko-KR" altLang="en-US" dirty="0">
@@ -9440,7 +10592,7 @@
         </p:nvSpPr>
         <p:spPr>
           <a:xfrm>
-            <a:off x="9897396" y="3009421"/>
+            <a:off x="9930523" y="2794104"/>
             <a:ext cx="833914" cy="1269792"/>
           </a:xfrm>
           <a:prstGeom prst="roundRect">
@@ -9493,68 +10645,6 @@
               <a:ea typeface="KoPubWorld돋움체 Medium" panose="00000600000000000000" pitchFamily="2" charset="-127"/>
               <a:cs typeface="KoPubWorld돋움체 Medium" panose="00000600000000000000" pitchFamily="2" charset="-127"/>
             </a:endParaRPr>
-          </a:p>
-        </p:txBody>
-      </p:sp>
-      <p:sp>
-        <p:nvSpPr>
-          <p:cNvPr id="2343" name="사각형: 둥근 모서리 2342">
-            <a:extLst>
-              <a:ext uri="{FF2B5EF4-FFF2-40B4-BE49-F238E27FC236}">
-                <a16:creationId xmlns:a16="http://schemas.microsoft.com/office/drawing/2014/main" id="{27B97253-8D2B-73F9-403F-AD0D2025207C}"/>
-              </a:ext>
-            </a:extLst>
-          </p:cNvPr>
-          <p:cNvSpPr/>
-          <p:nvPr/>
-        </p:nvSpPr>
-        <p:spPr>
-          <a:xfrm>
-            <a:off x="11047190" y="3015938"/>
-            <a:ext cx="833914" cy="1269792"/>
-          </a:xfrm>
-          <a:prstGeom prst="roundRect">
-            <a:avLst/>
-          </a:prstGeom>
-          <a:solidFill>
-            <a:srgbClr val="8DC63F"/>
-          </a:solidFill>
-          <a:ln>
-            <a:noFill/>
-          </a:ln>
-        </p:spPr>
-        <p:style>
-          <a:lnRef idx="2">
-            <a:schemeClr val="accent1">
-              <a:shade val="50000"/>
-            </a:schemeClr>
-          </a:lnRef>
-          <a:fillRef idx="1">
-            <a:schemeClr val="accent1"/>
-          </a:fillRef>
-          <a:effectRef idx="0">
-            <a:schemeClr val="accent1"/>
-          </a:effectRef>
-          <a:fontRef idx="minor">
-            <a:schemeClr val="lt1"/>
-          </a:fontRef>
-        </p:style>
-        <p:txBody>
-          <a:bodyPr rtlCol="0" anchor="ctr"/>
-          <a:lstStyle/>
-          <a:p>
-            <a:pPr algn="ctr"/>
-            <a:r>
-              <a:rPr lang="ko-KR" altLang="en-US" dirty="0">
-                <a:solidFill>
-                  <a:schemeClr val="tx1"/>
-                </a:solidFill>
-                <a:latin typeface="KoPubWorld돋움체 Medium" panose="00000600000000000000" pitchFamily="2" charset="-127"/>
-                <a:ea typeface="KoPubWorld돋움체 Medium" panose="00000600000000000000" pitchFamily="2" charset="-127"/>
-                <a:cs typeface="KoPubWorld돋움체 Medium" panose="00000600000000000000" pitchFamily="2" charset="-127"/>
-              </a:rPr>
-              <a:t>결과</a:t>
-            </a:r>
           </a:p>
         </p:txBody>
       </p:sp>
@@ -10263,6 +11353,7 @@
               <a:rPr lang="ko-KR" altLang="en-US" dirty="0"/>
               <a:t>결론</a:t>
             </a:r>
+            <a:endParaRPr lang="en-US" altLang="ko-KR" dirty="0"/>
           </a:p>
         </p:txBody>
       </p:sp>
@@ -10363,9 +11454,9 @@
           <p:grpSpPr>
             <a:xfrm>
               <a:off x="6952907" y="2274987"/>
-              <a:ext cx="2628000" cy="470302"/>
+              <a:ext cx="2628000" cy="432000"/>
               <a:chOff x="1847507" y="2258488"/>
-              <a:chExt cx="2628000" cy="470302"/>
+              <a:chExt cx="2628000" cy="432000"/>
             </a:xfrm>
           </p:grpSpPr>
           <p:sp>
@@ -10440,7 +11531,7 @@
             <p:spPr>
               <a:xfrm>
                 <a:off x="2247107" y="2302245"/>
-                <a:ext cx="1828800" cy="426545"/>
+                <a:ext cx="1828800" cy="331388"/>
               </a:xfrm>
               <a:prstGeom prst="rect">
                 <a:avLst/>
@@ -10448,14 +11539,14 @@
               <a:noFill/>
             </p:spPr>
             <p:txBody>
-              <a:bodyPr wrap="square" rtlCol="0">
+              <a:bodyPr wrap="square" tIns="54000" bIns="0" rtlCol="0">
                 <a:spAutoFit/>
               </a:bodyPr>
               <a:lstStyle/>
               <a:p>
                 <a:pPr algn="ctr"/>
                 <a:r>
-                  <a:rPr lang="ko-KR" altLang="en-US" sz="2000" dirty="0">
+                  <a:rPr lang="ko-KR" altLang="en-US" sz="2400" dirty="0">
                     <a:solidFill>
                       <a:schemeClr val="bg1"/>
                     </a:solidFill>
@@ -10465,7 +11556,7 @@
                   </a:rPr>
                   <a:t>연구의 결론</a:t>
                 </a:r>
-                <a:endParaRPr lang="en-US" altLang="ko-KR" sz="2000" dirty="0">
+                <a:endParaRPr lang="en-US" altLang="ko-KR" sz="2400" dirty="0">
                   <a:solidFill>
                     <a:schemeClr val="bg1"/>
                   </a:solidFill>
@@ -10737,7 +11828,7 @@
                 <a:ea typeface="KoPubWorld바탕체 Light" panose="00000300000000000000" pitchFamily="2" charset="-127"/>
                 <a:cs typeface="KoPubWorld바탕체 Light" panose="00000300000000000000" pitchFamily="2" charset="-127"/>
               </a:rPr>
-              <a:t>한글의 </a:t>
+              <a:t>한글의 창제 원리에 기반한 </a:t>
             </a:r>
             <a:r>
               <a:rPr lang="ko-KR" altLang="en-US" sz="2000" dirty="0" err="1">
@@ -10748,7 +11839,7 @@
                 <a:ea typeface="KoPubWorld바탕체 Light" panose="00000300000000000000" pitchFamily="2" charset="-127"/>
                 <a:cs typeface="KoPubWorld바탕체 Light" panose="00000300000000000000" pitchFamily="2" charset="-127"/>
               </a:rPr>
-              <a:t>창체</a:t>
+              <a:t>전처리</a:t>
             </a:r>
             <a:r>
               <a:rPr lang="ko-KR" altLang="en-US" sz="2000" dirty="0">
@@ -10759,10 +11850,10 @@
                 <a:ea typeface="KoPubWorld바탕체 Light" panose="00000300000000000000" pitchFamily="2" charset="-127"/>
                 <a:cs typeface="KoPubWorld바탕체 Light" panose="00000300000000000000" pitchFamily="2" charset="-127"/>
               </a:rPr>
-              <a:t> 원리에 기반한 </a:t>
-            </a:r>
-            <a:r>
-              <a:rPr lang="ko-KR" altLang="en-US" sz="2000" dirty="0" err="1">
+              <a:t> 알고리즘을 개발하여</a:t>
+            </a:r>
+            <a:r>
+              <a:rPr lang="en-US" altLang="ko-KR" sz="2000" dirty="0">
                 <a:solidFill>
                   <a:srgbClr val="000000"/>
                 </a:solidFill>
@@ -10770,7 +11861,7 @@
                 <a:ea typeface="KoPubWorld바탕체 Light" panose="00000300000000000000" pitchFamily="2" charset="-127"/>
                 <a:cs typeface="KoPubWorld바탕체 Light" panose="00000300000000000000" pitchFamily="2" charset="-127"/>
               </a:rPr>
-              <a:t>전처리</a:t>
+              <a:t>, </a:t>
             </a:r>
             <a:r>
               <a:rPr lang="ko-KR" altLang="en-US" sz="2000" dirty="0">
@@ -10781,29 +11872,7 @@
                 <a:ea typeface="KoPubWorld바탕체 Light" panose="00000300000000000000" pitchFamily="2" charset="-127"/>
                 <a:cs typeface="KoPubWorld바탕체 Light" panose="00000300000000000000" pitchFamily="2" charset="-127"/>
               </a:rPr>
-              <a:t> 알고리즘을 개발하여</a:t>
-            </a:r>
-            <a:r>
-              <a:rPr lang="en-US" altLang="ko-KR" sz="2000" dirty="0">
-                <a:solidFill>
-                  <a:srgbClr val="000000"/>
-                </a:solidFill>
-                <a:latin typeface="KoPubWorld바탕체 Light" panose="00000300000000000000" pitchFamily="2" charset="-127"/>
-                <a:ea typeface="KoPubWorld바탕체 Light" panose="00000300000000000000" pitchFamily="2" charset="-127"/>
-                <a:cs typeface="KoPubWorld바탕체 Light" panose="00000300000000000000" pitchFamily="2" charset="-127"/>
-              </a:rPr>
-              <a:t>, </a:t>
-            </a:r>
-            <a:r>
-              <a:rPr lang="ko-KR" altLang="en-US" sz="2000" dirty="0">
-                <a:solidFill>
-                  <a:srgbClr val="000000"/>
-                </a:solidFill>
-                <a:latin typeface="KoPubWorld바탕체 Light" panose="00000300000000000000" pitchFamily="2" charset="-127"/>
-                <a:ea typeface="KoPubWorld바탕체 Light" panose="00000300000000000000" pitchFamily="2" charset="-127"/>
-                <a:cs typeface="KoPubWorld바탕체 Light" panose="00000300000000000000" pitchFamily="2" charset="-127"/>
-              </a:rPr>
-              <a:t>단순하고 경량 인식 모델임에도 불구하고 상당히 높은  인식률을 얻을 수 있었다</a:t>
+              <a:t>단순하고 경량 인식 모델임에도 불구하고 상당히 높은 인식률을 얻을 수 있었다</a:t>
             </a:r>
             <a:r>
               <a:rPr lang="en-US" altLang="ko-KR" sz="2000" dirty="0">
@@ -10856,7 +11925,29 @@
                 <a:ea typeface="KoPubWorld바탕체 Light" panose="00000300000000000000" pitchFamily="2" charset="-127"/>
                 <a:cs typeface="KoPubWorld바탕체 Light" panose="00000300000000000000" pitchFamily="2" charset="-127"/>
               </a:rPr>
-              <a:t>보다 난해한 이어쓰기 된 글자 인식 뿐만 아니라 </a:t>
+              <a:t>더욱 난해한 이어쓰기 된 글자 </a:t>
+            </a:r>
+            <a:r>
+              <a:rPr lang="ko-KR" altLang="en-US" sz="2000" dirty="0" err="1">
+                <a:solidFill>
+                  <a:srgbClr val="000000"/>
+                </a:solidFill>
+                <a:latin typeface="KoPubWorld바탕체 Light" panose="00000300000000000000" pitchFamily="2" charset="-127"/>
+                <a:ea typeface="KoPubWorld바탕체 Light" panose="00000300000000000000" pitchFamily="2" charset="-127"/>
+                <a:cs typeface="KoPubWorld바탕체 Light" panose="00000300000000000000" pitchFamily="2" charset="-127"/>
+              </a:rPr>
+              <a:t>인식뿐만</a:t>
+            </a:r>
+            <a:r>
+              <a:rPr lang="ko-KR" altLang="en-US" sz="2000" dirty="0">
+                <a:solidFill>
+                  <a:srgbClr val="000000"/>
+                </a:solidFill>
+                <a:latin typeface="KoPubWorld바탕체 Light" panose="00000300000000000000" pitchFamily="2" charset="-127"/>
+                <a:ea typeface="KoPubWorld바탕체 Light" panose="00000300000000000000" pitchFamily="2" charset="-127"/>
+                <a:cs typeface="KoPubWorld바탕체 Light" panose="00000300000000000000" pitchFamily="2" charset="-127"/>
+              </a:rPr>
+              <a:t> 아니라 </a:t>
             </a:r>
             <a:r>
               <a:rPr lang="ko-KR" altLang="en-US" sz="2000" dirty="0">
